--- a/docs/image-sources/example-figures.pptx
+++ b/docs/image-sources/example-figures.pptx
@@ -5,11 +5,12 @@
     <p:sldMasterId id="2147483648" r:id="rId1"/>
   </p:sldMasterIdLst>
   <p:notesMasterIdLst>
-    <p:notesMasterId r:id="rId4"/>
+    <p:notesMasterId r:id="rId5"/>
   </p:notesMasterIdLst>
   <p:sldIdLst>
     <p:sldId id="141168576" r:id="rId2"/>
     <p:sldId id="141168577" r:id="rId3"/>
+    <p:sldId id="141168578" r:id="rId4"/>
   </p:sldIdLst>
   <p:sldSz cx="12192000" cy="6858000"/>
   <p:notesSz cx="6858000" cy="9144000"/>
@@ -198,7 +199,7 @@
           <a:p>
             <a:fld id="{DC65C951-F6DB-3040-8A26-A34F90C6DE08}" type="datetimeFigureOut">
               <a:rPr lang="en-US" smtClean="0"/>
-              <a:t>4/16/20</a:t>
+              <a:t>6/25/20</a:t>
             </a:fld>
             <a:endParaRPr lang="en-US"/>
           </a:p>
@@ -780,7 +781,7 @@
           <a:p>
             <a:fld id="{F924721D-9C5E-6B49-AC5B-655F66DDA7A3}" type="datetime1">
               <a:rPr lang="en-US" smtClean="0"/>
-              <a:t>4/16/20</a:t>
+              <a:t>6/25/20</a:t>
             </a:fld>
             <a:endParaRPr lang="en-US"/>
           </a:p>
@@ -978,7 +979,7 @@
           <a:p>
             <a:fld id="{410D5C4C-AC47-7642-B604-A05A66F14757}" type="datetime1">
               <a:rPr lang="en-US" smtClean="0"/>
-              <a:t>4/16/20</a:t>
+              <a:t>6/25/20</a:t>
             </a:fld>
             <a:endParaRPr lang="en-US"/>
           </a:p>
@@ -1186,7 +1187,7 @@
           <a:p>
             <a:fld id="{81BFAE4C-29D7-A84F-A4B9-15F332B42075}" type="datetime1">
               <a:rPr lang="en-US" smtClean="0"/>
-              <a:t>4/16/20</a:t>
+              <a:t>6/25/20</a:t>
             </a:fld>
             <a:endParaRPr lang="en-US"/>
           </a:p>
@@ -1384,7 +1385,7 @@
           <a:p>
             <a:fld id="{F32190BF-3CB9-4F4C-9755-39D6FE4B7A74}" type="datetime1">
               <a:rPr lang="en-US" smtClean="0"/>
-              <a:t>4/16/20</a:t>
+              <a:t>6/25/20</a:t>
             </a:fld>
             <a:endParaRPr lang="en-US"/>
           </a:p>
@@ -1659,7 +1660,7 @@
           <a:p>
             <a:fld id="{E19308FC-30CC-9741-A0ED-8F155680C791}" type="datetime1">
               <a:rPr lang="en-US" smtClean="0"/>
-              <a:t>4/16/20</a:t>
+              <a:t>6/25/20</a:t>
             </a:fld>
             <a:endParaRPr lang="en-US"/>
           </a:p>
@@ -1924,7 +1925,7 @@
           <a:p>
             <a:fld id="{6841A4A3-0324-C64F-9FE7-6903EC895BB9}" type="datetime1">
               <a:rPr lang="en-US" smtClean="0"/>
-              <a:t>4/16/20</a:t>
+              <a:t>6/25/20</a:t>
             </a:fld>
             <a:endParaRPr lang="en-US"/>
           </a:p>
@@ -2336,7 +2337,7 @@
           <a:p>
             <a:fld id="{1E90409D-4799-CD41-898D-FC6CC1258871}" type="datetime1">
               <a:rPr lang="en-US" smtClean="0"/>
-              <a:t>4/16/20</a:t>
+              <a:t>6/25/20</a:t>
             </a:fld>
             <a:endParaRPr lang="en-US"/>
           </a:p>
@@ -2477,7 +2478,7 @@
           <a:p>
             <a:fld id="{34C43BAA-C11F-FD4E-8D10-9852881CF7D8}" type="datetime1">
               <a:rPr lang="en-US" smtClean="0"/>
-              <a:t>4/16/20</a:t>
+              <a:t>6/25/20</a:t>
             </a:fld>
             <a:endParaRPr lang="en-US"/>
           </a:p>
@@ -2590,7 +2591,7 @@
           <a:p>
             <a:fld id="{D997C73D-4315-D949-8336-F9609DECEE68}" type="datetime1">
               <a:rPr lang="en-US" smtClean="0"/>
-              <a:t>4/16/20</a:t>
+              <a:t>6/25/20</a:t>
             </a:fld>
             <a:endParaRPr lang="en-US"/>
           </a:p>
@@ -2901,7 +2902,7 @@
           <a:p>
             <a:fld id="{392654A9-410C-824C-82D8-C652E365CD9E}" type="datetime1">
               <a:rPr lang="en-US" smtClean="0"/>
-              <a:t>4/16/20</a:t>
+              <a:t>6/25/20</a:t>
             </a:fld>
             <a:endParaRPr lang="en-US"/>
           </a:p>
@@ -3189,7 +3190,7 @@
           <a:p>
             <a:fld id="{8A615C88-D66E-A94A-8D6A-02B32F892117}" type="datetime1">
               <a:rPr lang="en-US" smtClean="0"/>
-              <a:t>4/16/20</a:t>
+              <a:t>6/25/20</a:t>
             </a:fld>
             <a:endParaRPr lang="en-US"/>
           </a:p>
@@ -3430,7 +3431,7 @@
           <a:p>
             <a:fld id="{CD1EC2A6-1E91-8048-8D30-369F2C578845}" type="datetime1">
               <a:rPr lang="en-US" smtClean="0"/>
-              <a:t>4/16/20</a:t>
+              <a:t>6/25/20</a:t>
             </a:fld>
             <a:endParaRPr lang="en-US"/>
           </a:p>
@@ -6827,6 +6828,1788 @@
       </p:par>
     </p:tnLst>
   </p:timing>
+</p:sld>
+</file>
+
+<file path=ppt/slides/slide3.xml><?xml version="1.0" encoding="utf-8"?>
+<p:sld xmlns:a="http://schemas.openxmlformats.org/drawingml/2006/main" xmlns:r="http://schemas.openxmlformats.org/officeDocument/2006/relationships" xmlns:p="http://schemas.openxmlformats.org/presentationml/2006/main">
+  <p:cSld>
+    <p:spTree>
+      <p:nvGrpSpPr>
+        <p:cNvPr id="1" name=""/>
+        <p:cNvGrpSpPr/>
+        <p:nvPr/>
+      </p:nvGrpSpPr>
+      <p:grpSpPr>
+        <a:xfrm>
+          <a:off x="0" y="0"/>
+          <a:ext cx="0" cy="0"/>
+          <a:chOff x="0" y="0"/>
+          <a:chExt cx="0" cy="0"/>
+        </a:xfrm>
+      </p:grpSpPr>
+      <p:sp>
+        <p:nvSpPr>
+          <p:cNvPr id="2" name="Slide Number Placeholder 1">
+            <a:extLst>
+              <a:ext uri="{FF2B5EF4-FFF2-40B4-BE49-F238E27FC236}">
+                <a16:creationId xmlns:a16="http://schemas.microsoft.com/office/drawing/2014/main" id="{5D4C3D79-C074-6447-AF7F-D7AA8CA7A6ED}"/>
+              </a:ext>
+            </a:extLst>
+          </p:cNvPr>
+          <p:cNvSpPr>
+            <a:spLocks noGrp="1"/>
+          </p:cNvSpPr>
+          <p:nvPr>
+            <p:ph type="sldNum" sz="quarter" idx="12"/>
+          </p:nvPr>
+        </p:nvSpPr>
+        <p:spPr/>
+        <p:txBody>
+          <a:bodyPr/>
+          <a:lstStyle/>
+          <a:p>
+            <a:fld id="{FC517010-E647-2249-A958-B3027541DB25}" type="slidenum">
+              <a:rPr lang="en-US" smtClean="0"/>
+              <a:t>3</a:t>
+            </a:fld>
+            <a:endParaRPr lang="en-US"/>
+          </a:p>
+        </p:txBody>
+      </p:sp>
+      <p:sp>
+        <p:nvSpPr>
+          <p:cNvPr id="3" name="Rounded Rectangle 2">
+            <a:extLst>
+              <a:ext uri="{FF2B5EF4-FFF2-40B4-BE49-F238E27FC236}">
+                <a16:creationId xmlns:a16="http://schemas.microsoft.com/office/drawing/2014/main" id="{E93416A8-5376-E040-B900-53BC9065028C}"/>
+              </a:ext>
+            </a:extLst>
+          </p:cNvPr>
+          <p:cNvSpPr/>
+          <p:nvPr/>
+        </p:nvSpPr>
+        <p:spPr>
+          <a:xfrm>
+            <a:off x="2996661" y="378313"/>
+            <a:ext cx="2309447" cy="1031631"/>
+          </a:xfrm>
+          <a:prstGeom prst="roundRect">
+            <a:avLst/>
+          </a:prstGeom>
+        </p:spPr>
+        <p:style>
+          <a:lnRef idx="2">
+            <a:schemeClr val="accent1">
+              <a:shade val="50000"/>
+            </a:schemeClr>
+          </a:lnRef>
+          <a:fillRef idx="1">
+            <a:schemeClr val="accent1"/>
+          </a:fillRef>
+          <a:effectRef idx="0">
+            <a:schemeClr val="accent1"/>
+          </a:effectRef>
+          <a:fontRef idx="minor">
+            <a:schemeClr val="lt1"/>
+          </a:fontRef>
+        </p:style>
+        <p:txBody>
+          <a:bodyPr rtlCol="0" anchor="ctr"/>
+          <a:lstStyle/>
+          <a:p>
+            <a:pPr algn="ctr"/>
+            <a:r>
+              <a:rPr lang="en-US" sz="2400" dirty="0" err="1"/>
+              <a:t>EventStreams</a:t>
+            </a:r>
+            <a:endParaRPr lang="en-US" sz="2400" dirty="0"/>
+          </a:p>
+        </p:txBody>
+      </p:sp>
+      <p:sp>
+        <p:nvSpPr>
+          <p:cNvPr id="4" name="Can 3">
+            <a:extLst>
+              <a:ext uri="{FF2B5EF4-FFF2-40B4-BE49-F238E27FC236}">
+                <a16:creationId xmlns:a16="http://schemas.microsoft.com/office/drawing/2014/main" id="{EFFE007F-313D-F846-A72C-149B70D5AF7D}"/>
+              </a:ext>
+            </a:extLst>
+          </p:cNvPr>
+          <p:cNvSpPr/>
+          <p:nvPr/>
+        </p:nvSpPr>
+        <p:spPr>
+          <a:xfrm>
+            <a:off x="6189384" y="196931"/>
+            <a:ext cx="1250526" cy="1394396"/>
+          </a:xfrm>
+          <a:prstGeom prst="can">
+            <a:avLst/>
+          </a:prstGeom>
+        </p:spPr>
+        <p:style>
+          <a:lnRef idx="2">
+            <a:schemeClr val="accent1">
+              <a:shade val="50000"/>
+            </a:schemeClr>
+          </a:lnRef>
+          <a:fillRef idx="1">
+            <a:schemeClr val="accent1"/>
+          </a:fillRef>
+          <a:effectRef idx="0">
+            <a:schemeClr val="accent1"/>
+          </a:effectRef>
+          <a:fontRef idx="minor">
+            <a:schemeClr val="lt1"/>
+          </a:fontRef>
+        </p:style>
+        <p:txBody>
+          <a:bodyPr rtlCol="0" anchor="ctr"/>
+          <a:lstStyle/>
+          <a:p>
+            <a:pPr algn="ctr"/>
+            <a:r>
+              <a:rPr lang="en-US" sz="2400" dirty="0"/>
+              <a:t>ICD for Redis</a:t>
+            </a:r>
+            <a:endParaRPr lang="en-US" dirty="0"/>
+          </a:p>
+        </p:txBody>
+      </p:sp>
+      <p:sp>
+        <p:nvSpPr>
+          <p:cNvPr id="5" name="TextBox 4">
+            <a:extLst>
+              <a:ext uri="{FF2B5EF4-FFF2-40B4-BE49-F238E27FC236}">
+                <a16:creationId xmlns:a16="http://schemas.microsoft.com/office/drawing/2014/main" id="{33722C88-7A87-B54A-A2E2-E311046A4AE5}"/>
+              </a:ext>
+            </a:extLst>
+          </p:cNvPr>
+          <p:cNvSpPr txBox="1"/>
+          <p:nvPr/>
+        </p:nvSpPr>
+        <p:spPr>
+          <a:xfrm>
+            <a:off x="199697" y="570962"/>
+            <a:ext cx="2154621" cy="646331"/>
+          </a:xfrm>
+          <a:prstGeom prst="rect">
+            <a:avLst/>
+          </a:prstGeom>
+          <a:noFill/>
+        </p:spPr>
+        <p:txBody>
+          <a:bodyPr wrap="square" rtlCol="0">
+            <a:spAutoFit/>
+          </a:bodyPr>
+          <a:lstStyle/>
+          <a:p>
+            <a:r>
+              <a:rPr lang="en-US" dirty="0"/>
+              <a:t>IBM Public Cloud Managed Services</a:t>
+            </a:r>
+          </a:p>
+        </p:txBody>
+      </p:sp>
+      <p:cxnSp>
+        <p:nvCxnSpPr>
+          <p:cNvPr id="7" name="Straight Connector 6">
+            <a:extLst>
+              <a:ext uri="{FF2B5EF4-FFF2-40B4-BE49-F238E27FC236}">
+                <a16:creationId xmlns:a16="http://schemas.microsoft.com/office/drawing/2014/main" id="{031B28A2-917F-B348-B48C-9B7EBE34FC09}"/>
+              </a:ext>
+            </a:extLst>
+          </p:cNvPr>
+          <p:cNvCxnSpPr/>
+          <p:nvPr/>
+        </p:nvCxnSpPr>
+        <p:spPr>
+          <a:xfrm>
+            <a:off x="415159" y="1958428"/>
+            <a:ext cx="11361682" cy="0"/>
+          </a:xfrm>
+          <a:prstGeom prst="line">
+            <a:avLst/>
+          </a:prstGeom>
+          <a:ln w="25400">
+            <a:prstDash val="dash"/>
+          </a:ln>
+        </p:spPr>
+        <p:style>
+          <a:lnRef idx="1">
+            <a:schemeClr val="dk1"/>
+          </a:lnRef>
+          <a:fillRef idx="0">
+            <a:schemeClr val="dk1"/>
+          </a:fillRef>
+          <a:effectRef idx="0">
+            <a:schemeClr val="dk1"/>
+          </a:effectRef>
+          <a:fontRef idx="minor">
+            <a:schemeClr val="tx1"/>
+          </a:fontRef>
+        </p:style>
+      </p:cxnSp>
+      <p:cxnSp>
+        <p:nvCxnSpPr>
+          <p:cNvPr id="8" name="Straight Connector 7">
+            <a:extLst>
+              <a:ext uri="{FF2B5EF4-FFF2-40B4-BE49-F238E27FC236}">
+                <a16:creationId xmlns:a16="http://schemas.microsoft.com/office/drawing/2014/main" id="{F8715B60-1E85-1A45-84B1-57DB559A1080}"/>
+              </a:ext>
+            </a:extLst>
+          </p:cNvPr>
+          <p:cNvCxnSpPr>
+            <a:cxnSpLocks/>
+          </p:cNvCxnSpPr>
+          <p:nvPr/>
+        </p:nvCxnSpPr>
+        <p:spPr>
+          <a:xfrm>
+            <a:off x="5689600" y="2336800"/>
+            <a:ext cx="0" cy="3225800"/>
+          </a:xfrm>
+          <a:prstGeom prst="line">
+            <a:avLst/>
+          </a:prstGeom>
+          <a:ln w="25400">
+            <a:prstDash val="dash"/>
+          </a:ln>
+        </p:spPr>
+        <p:style>
+          <a:lnRef idx="1">
+            <a:schemeClr val="dk1"/>
+          </a:lnRef>
+          <a:fillRef idx="0">
+            <a:schemeClr val="dk1"/>
+          </a:fillRef>
+          <a:effectRef idx="0">
+            <a:schemeClr val="dk1"/>
+          </a:effectRef>
+          <a:fontRef idx="minor">
+            <a:schemeClr val="tx1"/>
+          </a:fontRef>
+        </p:style>
+      </p:cxnSp>
+      <p:sp>
+        <p:nvSpPr>
+          <p:cNvPr id="13" name="TextBox 12">
+            <a:extLst>
+              <a:ext uri="{FF2B5EF4-FFF2-40B4-BE49-F238E27FC236}">
+                <a16:creationId xmlns:a16="http://schemas.microsoft.com/office/drawing/2014/main" id="{6FCE9D32-5EB7-F348-8C9A-C3FE2DF5F93E}"/>
+              </a:ext>
+            </a:extLst>
+          </p:cNvPr>
+          <p:cNvSpPr txBox="1"/>
+          <p:nvPr/>
+        </p:nvSpPr>
+        <p:spPr>
+          <a:xfrm>
+            <a:off x="9400597" y="2097190"/>
+            <a:ext cx="2870200" cy="369332"/>
+          </a:xfrm>
+          <a:prstGeom prst="rect">
+            <a:avLst/>
+          </a:prstGeom>
+          <a:noFill/>
+        </p:spPr>
+        <p:txBody>
+          <a:bodyPr wrap="square" rtlCol="0">
+            <a:spAutoFit/>
+          </a:bodyPr>
+          <a:lstStyle/>
+          <a:p>
+            <a:r>
+              <a:rPr lang="en-US" dirty="0"/>
+              <a:t>IBM Public Cloud - </a:t>
+            </a:r>
+            <a:r>
+              <a:rPr lang="en-US" dirty="0" err="1"/>
+              <a:t>Coligo</a:t>
+            </a:r>
+            <a:endParaRPr lang="en-US" dirty="0"/>
+          </a:p>
+        </p:txBody>
+      </p:sp>
+      <p:grpSp>
+        <p:nvGrpSpPr>
+          <p:cNvPr id="14" name="Group 13">
+            <a:extLst>
+              <a:ext uri="{FF2B5EF4-FFF2-40B4-BE49-F238E27FC236}">
+                <a16:creationId xmlns:a16="http://schemas.microsoft.com/office/drawing/2014/main" id="{76D93F80-9EC0-C845-80CA-566A7C15A8EE}"/>
+              </a:ext>
+            </a:extLst>
+          </p:cNvPr>
+          <p:cNvGrpSpPr/>
+          <p:nvPr/>
+        </p:nvGrpSpPr>
+        <p:grpSpPr>
+          <a:xfrm>
+            <a:off x="6076497" y="2798234"/>
+            <a:ext cx="2527298" cy="3412182"/>
+            <a:chOff x="7626667" y="936448"/>
+            <a:chExt cx="3181605" cy="3958105"/>
+          </a:xfrm>
+        </p:grpSpPr>
+        <p:sp>
+          <p:nvSpPr>
+            <p:cNvPr id="15" name="Rectangle 14">
+              <a:extLst>
+                <a:ext uri="{FF2B5EF4-FFF2-40B4-BE49-F238E27FC236}">
+                  <a16:creationId xmlns:a16="http://schemas.microsoft.com/office/drawing/2014/main" id="{AAAE6964-E18F-7045-AE68-1D00A00A186D}"/>
+                </a:ext>
+              </a:extLst>
+            </p:cNvPr>
+            <p:cNvSpPr/>
+            <p:nvPr/>
+          </p:nvSpPr>
+          <p:spPr>
+            <a:xfrm>
+              <a:off x="7665679" y="942663"/>
+              <a:ext cx="3142593" cy="3951890"/>
+            </a:xfrm>
+            <a:prstGeom prst="rect">
+              <a:avLst/>
+            </a:prstGeom>
+            <a:solidFill>
+              <a:schemeClr val="accent2">
+                <a:lumMod val="40000"/>
+                <a:lumOff val="60000"/>
+              </a:schemeClr>
+            </a:solidFill>
+          </p:spPr>
+          <p:style>
+            <a:lnRef idx="2">
+              <a:schemeClr val="accent1">
+                <a:shade val="50000"/>
+              </a:schemeClr>
+            </a:lnRef>
+            <a:fillRef idx="1">
+              <a:schemeClr val="accent1"/>
+            </a:fillRef>
+            <a:effectRef idx="0">
+              <a:schemeClr val="accent1"/>
+            </a:effectRef>
+            <a:fontRef idx="minor">
+              <a:schemeClr val="lt1"/>
+            </a:fontRef>
+          </p:style>
+          <p:txBody>
+            <a:bodyPr rtlCol="0" anchor="ctr"/>
+            <a:lstStyle/>
+            <a:p>
+              <a:pPr algn="ctr"/>
+              <a:r>
+                <a:rPr lang="en-US" dirty="0"/>
+                <a:t>po</a:t>
+              </a:r>
+            </a:p>
+          </p:txBody>
+        </p:sp>
+        <p:sp>
+          <p:nvSpPr>
+            <p:cNvPr id="16" name="Rectangle 15">
+              <a:extLst>
+                <a:ext uri="{FF2B5EF4-FFF2-40B4-BE49-F238E27FC236}">
+                  <a16:creationId xmlns:a16="http://schemas.microsoft.com/office/drawing/2014/main" id="{7ACE6B21-68BF-8049-B616-B9E2C6570547}"/>
+                </a:ext>
+              </a:extLst>
+            </p:cNvPr>
+            <p:cNvSpPr/>
+            <p:nvPr/>
+          </p:nvSpPr>
+          <p:spPr>
+            <a:xfrm>
+              <a:off x="7957743" y="1334814"/>
+              <a:ext cx="2617076" cy="2289895"/>
+            </a:xfrm>
+            <a:prstGeom prst="rect">
+              <a:avLst/>
+            </a:prstGeom>
+            <a:solidFill>
+              <a:srgbClr val="FFFF00"/>
+            </a:solidFill>
+          </p:spPr>
+          <p:style>
+            <a:lnRef idx="2">
+              <a:schemeClr val="accent1">
+                <a:shade val="50000"/>
+              </a:schemeClr>
+            </a:lnRef>
+            <a:fillRef idx="1">
+              <a:schemeClr val="accent1"/>
+            </a:fillRef>
+            <a:effectRef idx="0">
+              <a:schemeClr val="accent1"/>
+            </a:effectRef>
+            <a:fontRef idx="minor">
+              <a:schemeClr val="lt1"/>
+            </a:fontRef>
+          </p:style>
+          <p:txBody>
+            <a:bodyPr rtlCol="0" anchor="ctr"/>
+            <a:lstStyle/>
+            <a:p>
+              <a:pPr algn="ctr"/>
+              <a:endParaRPr lang="en-US"/>
+            </a:p>
+          </p:txBody>
+        </p:sp>
+        <p:sp>
+          <p:nvSpPr>
+            <p:cNvPr id="17" name="TextBox 16">
+              <a:extLst>
+                <a:ext uri="{FF2B5EF4-FFF2-40B4-BE49-F238E27FC236}">
+                  <a16:creationId xmlns:a16="http://schemas.microsoft.com/office/drawing/2014/main" id="{F966FB8C-A263-8C4B-9927-17C9CA077F9D}"/>
+                </a:ext>
+              </a:extLst>
+            </p:cNvPr>
+            <p:cNvSpPr txBox="1"/>
+            <p:nvPr/>
+          </p:nvSpPr>
+          <p:spPr>
+            <a:xfrm>
+              <a:off x="8222929" y="2918608"/>
+              <a:ext cx="2086707" cy="307777"/>
+            </a:xfrm>
+            <a:prstGeom prst="rect">
+              <a:avLst/>
+            </a:prstGeom>
+            <a:solidFill>
+              <a:schemeClr val="accent6"/>
+            </a:solidFill>
+          </p:spPr>
+          <p:txBody>
+            <a:bodyPr wrap="square" rtlCol="0">
+              <a:spAutoFit/>
+            </a:bodyPr>
+            <a:lstStyle/>
+            <a:p>
+              <a:pPr algn="ctr"/>
+              <a:r>
+                <a:rPr lang="en-US" sz="1400" dirty="0">
+                  <a:solidFill>
+                    <a:schemeClr val="bg1"/>
+                  </a:solidFill>
+                </a:rPr>
+                <a:t>YKT simulation server</a:t>
+              </a:r>
+            </a:p>
+          </p:txBody>
+        </p:sp>
+        <p:sp>
+          <p:nvSpPr>
+            <p:cNvPr id="18" name="TextBox 17">
+              <a:extLst>
+                <a:ext uri="{FF2B5EF4-FFF2-40B4-BE49-F238E27FC236}">
+                  <a16:creationId xmlns:a16="http://schemas.microsoft.com/office/drawing/2014/main" id="{20EE30E6-1AA1-A047-A840-B1EA51B55E9E}"/>
+                </a:ext>
+              </a:extLst>
+            </p:cNvPr>
+            <p:cNvSpPr txBox="1"/>
+            <p:nvPr/>
+          </p:nvSpPr>
+          <p:spPr>
+            <a:xfrm>
+              <a:off x="8222928" y="1762214"/>
+              <a:ext cx="2086707" cy="307777"/>
+            </a:xfrm>
+            <a:prstGeom prst="rect">
+              <a:avLst/>
+            </a:prstGeom>
+            <a:solidFill>
+              <a:srgbClr val="0070C0"/>
+            </a:solidFill>
+          </p:spPr>
+          <p:txBody>
+            <a:bodyPr wrap="square" rtlCol="0">
+              <a:spAutoFit/>
+            </a:bodyPr>
+            <a:lstStyle/>
+            <a:p>
+              <a:pPr algn="ctr"/>
+              <a:r>
+                <a:rPr lang="en-US" sz="1400" dirty="0">
+                  <a:solidFill>
+                    <a:schemeClr val="bg1"/>
+                  </a:solidFill>
+                </a:rPr>
+                <a:t>KAR sidecar</a:t>
+              </a:r>
+            </a:p>
+          </p:txBody>
+        </p:sp>
+        <p:cxnSp>
+          <p:nvCxnSpPr>
+            <p:cNvPr id="19" name="Straight Arrow Connector 18">
+              <a:extLst>
+                <a:ext uri="{FF2B5EF4-FFF2-40B4-BE49-F238E27FC236}">
+                  <a16:creationId xmlns:a16="http://schemas.microsoft.com/office/drawing/2014/main" id="{DF86C480-6A5F-CD46-B17F-4BA01ABCF4E7}"/>
+                </a:ext>
+              </a:extLst>
+            </p:cNvPr>
+            <p:cNvCxnSpPr>
+              <a:cxnSpLocks/>
+              <a:stCxn id="18" idx="2"/>
+              <a:endCxn id="17" idx="0"/>
+            </p:cNvCxnSpPr>
+            <p:nvPr/>
+          </p:nvCxnSpPr>
+          <p:spPr>
+            <a:xfrm>
+              <a:off x="9266282" y="2069991"/>
+              <a:ext cx="1" cy="848617"/>
+            </a:xfrm>
+            <a:prstGeom prst="straightConnector1">
+              <a:avLst/>
+            </a:prstGeom>
+            <a:ln w="38100">
+              <a:headEnd type="triangle"/>
+              <a:tailEnd type="triangle"/>
+            </a:ln>
+          </p:spPr>
+          <p:style>
+            <a:lnRef idx="1">
+              <a:schemeClr val="accent1"/>
+            </a:lnRef>
+            <a:fillRef idx="0">
+              <a:schemeClr val="accent1"/>
+            </a:fillRef>
+            <a:effectRef idx="0">
+              <a:schemeClr val="accent1"/>
+            </a:effectRef>
+            <a:fontRef idx="minor">
+              <a:schemeClr val="tx1"/>
+            </a:fontRef>
+          </p:style>
+        </p:cxnSp>
+        <p:sp>
+          <p:nvSpPr>
+            <p:cNvPr id="20" name="TextBox 19">
+              <a:extLst>
+                <a:ext uri="{FF2B5EF4-FFF2-40B4-BE49-F238E27FC236}">
+                  <a16:creationId xmlns:a16="http://schemas.microsoft.com/office/drawing/2014/main" id="{E437AE14-D373-4A4B-8387-B682CDB7BE35}"/>
+                </a:ext>
+              </a:extLst>
+            </p:cNvPr>
+            <p:cNvSpPr txBox="1"/>
+            <p:nvPr/>
+          </p:nvSpPr>
+          <p:spPr>
+            <a:xfrm>
+              <a:off x="9266281" y="2399833"/>
+              <a:ext cx="914400" cy="369332"/>
+            </a:xfrm>
+            <a:prstGeom prst="rect">
+              <a:avLst/>
+            </a:prstGeom>
+            <a:noFill/>
+          </p:spPr>
+          <p:txBody>
+            <a:bodyPr wrap="square" rtlCol="0">
+              <a:spAutoFit/>
+            </a:bodyPr>
+            <a:lstStyle/>
+            <a:p>
+              <a:r>
+                <a:rPr lang="en-US" dirty="0"/>
+                <a:t>http</a:t>
+              </a:r>
+            </a:p>
+          </p:txBody>
+        </p:sp>
+        <p:sp>
+          <p:nvSpPr>
+            <p:cNvPr id="21" name="Rectangle 20">
+              <a:extLst>
+                <a:ext uri="{FF2B5EF4-FFF2-40B4-BE49-F238E27FC236}">
+                  <a16:creationId xmlns:a16="http://schemas.microsoft.com/office/drawing/2014/main" id="{9B03431F-DCEF-844F-8266-0C43F026792C}"/>
+                </a:ext>
+              </a:extLst>
+            </p:cNvPr>
+            <p:cNvSpPr/>
+            <p:nvPr/>
+          </p:nvSpPr>
+          <p:spPr>
+            <a:xfrm>
+              <a:off x="7957743" y="3822610"/>
+              <a:ext cx="2617076" cy="867412"/>
+            </a:xfrm>
+            <a:prstGeom prst="rect">
+              <a:avLst/>
+            </a:prstGeom>
+            <a:solidFill>
+              <a:srgbClr val="FFFF00"/>
+            </a:solidFill>
+          </p:spPr>
+          <p:style>
+            <a:lnRef idx="2">
+              <a:schemeClr val="accent1">
+                <a:shade val="50000"/>
+              </a:schemeClr>
+            </a:lnRef>
+            <a:fillRef idx="1">
+              <a:schemeClr val="accent1"/>
+            </a:fillRef>
+            <a:effectRef idx="0">
+              <a:schemeClr val="accent1"/>
+            </a:effectRef>
+            <a:fontRef idx="minor">
+              <a:schemeClr val="lt1"/>
+            </a:fontRef>
+          </p:style>
+          <p:txBody>
+            <a:bodyPr rtlCol="0" anchor="ctr"/>
+            <a:lstStyle/>
+            <a:p>
+              <a:pPr algn="ctr"/>
+              <a:endParaRPr lang="en-US"/>
+            </a:p>
+          </p:txBody>
+        </p:sp>
+        <p:sp>
+          <p:nvSpPr>
+            <p:cNvPr id="22" name="TextBox 21">
+              <a:extLst>
+                <a:ext uri="{FF2B5EF4-FFF2-40B4-BE49-F238E27FC236}">
+                  <a16:creationId xmlns:a16="http://schemas.microsoft.com/office/drawing/2014/main" id="{99D5FD90-3AEB-714B-8DF2-B7ED5714E24C}"/>
+                </a:ext>
+              </a:extLst>
+            </p:cNvPr>
+            <p:cNvSpPr txBox="1"/>
+            <p:nvPr/>
+          </p:nvSpPr>
+          <p:spPr>
+            <a:xfrm>
+              <a:off x="8222928" y="4171235"/>
+              <a:ext cx="2086707" cy="307777"/>
+            </a:xfrm>
+            <a:prstGeom prst="rect">
+              <a:avLst/>
+            </a:prstGeom>
+            <a:solidFill>
+              <a:srgbClr val="0070C0"/>
+            </a:solidFill>
+          </p:spPr>
+          <p:txBody>
+            <a:bodyPr wrap="square" rtlCol="0">
+              <a:spAutoFit/>
+            </a:bodyPr>
+            <a:lstStyle/>
+            <a:p>
+              <a:pPr algn="ctr"/>
+              <a:r>
+                <a:rPr lang="en-US" sz="1400" dirty="0" err="1">
+                  <a:solidFill>
+                    <a:schemeClr val="bg1"/>
+                  </a:solidFill>
+                </a:rPr>
+                <a:t>Coligo</a:t>
+              </a:r>
+              <a:r>
+                <a:rPr lang="en-US" sz="1400" dirty="0">
+                  <a:solidFill>
+                    <a:schemeClr val="bg1"/>
+                  </a:solidFill>
+                </a:rPr>
+                <a:t> queue proxy</a:t>
+              </a:r>
+            </a:p>
+          </p:txBody>
+        </p:sp>
+        <p:sp>
+          <p:nvSpPr>
+            <p:cNvPr id="23" name="TextBox 22">
+              <a:extLst>
+                <a:ext uri="{FF2B5EF4-FFF2-40B4-BE49-F238E27FC236}">
+                  <a16:creationId xmlns:a16="http://schemas.microsoft.com/office/drawing/2014/main" id="{5684FCE2-175A-274C-9D8D-8B319027FDEC}"/>
+                </a:ext>
+              </a:extLst>
+            </p:cNvPr>
+            <p:cNvSpPr txBox="1"/>
+            <p:nvPr/>
+          </p:nvSpPr>
+          <p:spPr>
+            <a:xfrm>
+              <a:off x="7626667" y="936448"/>
+              <a:ext cx="662152" cy="307777"/>
+            </a:xfrm>
+            <a:prstGeom prst="rect">
+              <a:avLst/>
+            </a:prstGeom>
+            <a:noFill/>
+          </p:spPr>
+          <p:txBody>
+            <a:bodyPr wrap="square" rtlCol="0">
+              <a:spAutoFit/>
+            </a:bodyPr>
+            <a:lstStyle/>
+            <a:p>
+              <a:r>
+                <a:rPr lang="en-US" sz="1400" dirty="0"/>
+                <a:t>pod</a:t>
+              </a:r>
+            </a:p>
+          </p:txBody>
+        </p:sp>
+        <p:sp>
+          <p:nvSpPr>
+            <p:cNvPr id="24" name="TextBox 23">
+              <a:extLst>
+                <a:ext uri="{FF2B5EF4-FFF2-40B4-BE49-F238E27FC236}">
+                  <a16:creationId xmlns:a16="http://schemas.microsoft.com/office/drawing/2014/main" id="{F29C5268-96A5-444F-96D9-43506D1AF797}"/>
+                </a:ext>
+              </a:extLst>
+            </p:cNvPr>
+            <p:cNvSpPr txBox="1"/>
+            <p:nvPr/>
+          </p:nvSpPr>
+          <p:spPr>
+            <a:xfrm>
+              <a:off x="7961381" y="1373978"/>
+              <a:ext cx="2086706" cy="307777"/>
+            </a:xfrm>
+            <a:prstGeom prst="rect">
+              <a:avLst/>
+            </a:prstGeom>
+            <a:noFill/>
+          </p:spPr>
+          <p:txBody>
+            <a:bodyPr wrap="square" rtlCol="0">
+              <a:spAutoFit/>
+            </a:bodyPr>
+            <a:lstStyle/>
+            <a:p>
+              <a:r>
+                <a:rPr lang="en-US" sz="1400" dirty="0"/>
+                <a:t>user container</a:t>
+              </a:r>
+            </a:p>
+          </p:txBody>
+        </p:sp>
+        <p:sp>
+          <p:nvSpPr>
+            <p:cNvPr id="25" name="TextBox 24">
+              <a:extLst>
+                <a:ext uri="{FF2B5EF4-FFF2-40B4-BE49-F238E27FC236}">
+                  <a16:creationId xmlns:a16="http://schemas.microsoft.com/office/drawing/2014/main" id="{45B77463-F06A-BD4E-8940-19ED5B483123}"/>
+                </a:ext>
+              </a:extLst>
+            </p:cNvPr>
+            <p:cNvSpPr txBox="1"/>
+            <p:nvPr/>
+          </p:nvSpPr>
+          <p:spPr>
+            <a:xfrm>
+              <a:off x="7957743" y="3812257"/>
+              <a:ext cx="2541076" cy="307777"/>
+            </a:xfrm>
+            <a:prstGeom prst="rect">
+              <a:avLst/>
+            </a:prstGeom>
+            <a:noFill/>
+          </p:spPr>
+          <p:txBody>
+            <a:bodyPr wrap="square" rtlCol="0">
+              <a:spAutoFit/>
+            </a:bodyPr>
+            <a:lstStyle/>
+            <a:p>
+              <a:r>
+                <a:rPr lang="en-US" sz="1400" dirty="0" err="1"/>
+                <a:t>Coligo</a:t>
+              </a:r>
+              <a:r>
+                <a:rPr lang="en-US" sz="1400" dirty="0"/>
+                <a:t> system container</a:t>
+              </a:r>
+            </a:p>
+          </p:txBody>
+        </p:sp>
+      </p:grpSp>
+      <p:grpSp>
+        <p:nvGrpSpPr>
+          <p:cNvPr id="26" name="Group 25">
+            <a:extLst>
+              <a:ext uri="{FF2B5EF4-FFF2-40B4-BE49-F238E27FC236}">
+                <a16:creationId xmlns:a16="http://schemas.microsoft.com/office/drawing/2014/main" id="{9AE544B1-4AC5-4D4F-BDFC-22E22FA02ABD}"/>
+              </a:ext>
+            </a:extLst>
+          </p:cNvPr>
+          <p:cNvGrpSpPr/>
+          <p:nvPr/>
+        </p:nvGrpSpPr>
+        <p:grpSpPr>
+          <a:xfrm>
+            <a:off x="9457786" y="2798234"/>
+            <a:ext cx="2527298" cy="3412182"/>
+            <a:chOff x="7626667" y="936448"/>
+            <a:chExt cx="3181605" cy="3958105"/>
+          </a:xfrm>
+        </p:grpSpPr>
+        <p:sp>
+          <p:nvSpPr>
+            <p:cNvPr id="27" name="Rectangle 26">
+              <a:extLst>
+                <a:ext uri="{FF2B5EF4-FFF2-40B4-BE49-F238E27FC236}">
+                  <a16:creationId xmlns:a16="http://schemas.microsoft.com/office/drawing/2014/main" id="{16F89FD9-D24B-DB48-B31A-A37DCCE3E3BA}"/>
+                </a:ext>
+              </a:extLst>
+            </p:cNvPr>
+            <p:cNvSpPr/>
+            <p:nvPr/>
+          </p:nvSpPr>
+          <p:spPr>
+            <a:xfrm>
+              <a:off x="7665679" y="942663"/>
+              <a:ext cx="3142593" cy="3951890"/>
+            </a:xfrm>
+            <a:prstGeom prst="rect">
+              <a:avLst/>
+            </a:prstGeom>
+            <a:solidFill>
+              <a:schemeClr val="accent2">
+                <a:lumMod val="40000"/>
+                <a:lumOff val="60000"/>
+              </a:schemeClr>
+            </a:solidFill>
+          </p:spPr>
+          <p:style>
+            <a:lnRef idx="2">
+              <a:schemeClr val="accent1">
+                <a:shade val="50000"/>
+              </a:schemeClr>
+            </a:lnRef>
+            <a:fillRef idx="1">
+              <a:schemeClr val="accent1"/>
+            </a:fillRef>
+            <a:effectRef idx="0">
+              <a:schemeClr val="accent1"/>
+            </a:effectRef>
+            <a:fontRef idx="minor">
+              <a:schemeClr val="lt1"/>
+            </a:fontRef>
+          </p:style>
+          <p:txBody>
+            <a:bodyPr rtlCol="0" anchor="ctr"/>
+            <a:lstStyle/>
+            <a:p>
+              <a:pPr algn="ctr"/>
+              <a:r>
+                <a:rPr lang="en-US" dirty="0"/>
+                <a:t>po</a:t>
+              </a:r>
+            </a:p>
+          </p:txBody>
+        </p:sp>
+        <p:sp>
+          <p:nvSpPr>
+            <p:cNvPr id="28" name="Rectangle 27">
+              <a:extLst>
+                <a:ext uri="{FF2B5EF4-FFF2-40B4-BE49-F238E27FC236}">
+                  <a16:creationId xmlns:a16="http://schemas.microsoft.com/office/drawing/2014/main" id="{E0B4354B-F9E6-BC4D-81E4-F3ABB9186D2A}"/>
+                </a:ext>
+              </a:extLst>
+            </p:cNvPr>
+            <p:cNvSpPr/>
+            <p:nvPr/>
+          </p:nvSpPr>
+          <p:spPr>
+            <a:xfrm>
+              <a:off x="7957743" y="1334814"/>
+              <a:ext cx="2617076" cy="2289895"/>
+            </a:xfrm>
+            <a:prstGeom prst="rect">
+              <a:avLst/>
+            </a:prstGeom>
+            <a:solidFill>
+              <a:srgbClr val="FFFF00"/>
+            </a:solidFill>
+          </p:spPr>
+          <p:style>
+            <a:lnRef idx="2">
+              <a:schemeClr val="accent1">
+                <a:shade val="50000"/>
+              </a:schemeClr>
+            </a:lnRef>
+            <a:fillRef idx="1">
+              <a:schemeClr val="accent1"/>
+            </a:fillRef>
+            <a:effectRef idx="0">
+              <a:schemeClr val="accent1"/>
+            </a:effectRef>
+            <a:fontRef idx="minor">
+              <a:schemeClr val="lt1"/>
+            </a:fontRef>
+          </p:style>
+          <p:txBody>
+            <a:bodyPr rtlCol="0" anchor="ctr"/>
+            <a:lstStyle/>
+            <a:p>
+              <a:pPr algn="ctr"/>
+              <a:endParaRPr lang="en-US"/>
+            </a:p>
+          </p:txBody>
+        </p:sp>
+        <p:sp>
+          <p:nvSpPr>
+            <p:cNvPr id="29" name="TextBox 28">
+              <a:extLst>
+                <a:ext uri="{FF2B5EF4-FFF2-40B4-BE49-F238E27FC236}">
+                  <a16:creationId xmlns:a16="http://schemas.microsoft.com/office/drawing/2014/main" id="{8CA3AB63-D8A7-5648-AE7D-A9BF61270291}"/>
+                </a:ext>
+              </a:extLst>
+            </p:cNvPr>
+            <p:cNvSpPr txBox="1"/>
+            <p:nvPr/>
+          </p:nvSpPr>
+          <p:spPr>
+            <a:xfrm>
+              <a:off x="8222929" y="2918608"/>
+              <a:ext cx="2086707" cy="321317"/>
+            </a:xfrm>
+            <a:prstGeom prst="rect">
+              <a:avLst/>
+            </a:prstGeom>
+            <a:solidFill>
+              <a:schemeClr val="accent6"/>
+            </a:solidFill>
+          </p:spPr>
+          <p:txBody>
+            <a:bodyPr wrap="square" rtlCol="0">
+              <a:spAutoFit/>
+            </a:bodyPr>
+            <a:lstStyle/>
+            <a:p>
+              <a:pPr algn="ctr"/>
+              <a:r>
+                <a:rPr lang="en-US" sz="1200" dirty="0">
+                  <a:solidFill>
+                    <a:schemeClr val="bg1"/>
+                  </a:solidFill>
+                </a:rPr>
+                <a:t>YKT simulation server</a:t>
+              </a:r>
+            </a:p>
+          </p:txBody>
+        </p:sp>
+        <p:sp>
+          <p:nvSpPr>
+            <p:cNvPr id="30" name="TextBox 29">
+              <a:extLst>
+                <a:ext uri="{FF2B5EF4-FFF2-40B4-BE49-F238E27FC236}">
+                  <a16:creationId xmlns:a16="http://schemas.microsoft.com/office/drawing/2014/main" id="{F72A2121-5B0F-C445-A181-4584A0D0D1C7}"/>
+                </a:ext>
+              </a:extLst>
+            </p:cNvPr>
+            <p:cNvSpPr txBox="1"/>
+            <p:nvPr/>
+          </p:nvSpPr>
+          <p:spPr>
+            <a:xfrm>
+              <a:off x="8222928" y="1762214"/>
+              <a:ext cx="2086707" cy="307777"/>
+            </a:xfrm>
+            <a:prstGeom prst="rect">
+              <a:avLst/>
+            </a:prstGeom>
+            <a:solidFill>
+              <a:srgbClr val="0070C0"/>
+            </a:solidFill>
+          </p:spPr>
+          <p:txBody>
+            <a:bodyPr wrap="square" rtlCol="0">
+              <a:spAutoFit/>
+            </a:bodyPr>
+            <a:lstStyle/>
+            <a:p>
+              <a:pPr algn="ctr"/>
+              <a:r>
+                <a:rPr lang="en-US" sz="1400" dirty="0">
+                  <a:solidFill>
+                    <a:schemeClr val="bg1"/>
+                  </a:solidFill>
+                </a:rPr>
+                <a:t>KAR sidecar</a:t>
+              </a:r>
+            </a:p>
+          </p:txBody>
+        </p:sp>
+        <p:cxnSp>
+          <p:nvCxnSpPr>
+            <p:cNvPr id="31" name="Straight Arrow Connector 30">
+              <a:extLst>
+                <a:ext uri="{FF2B5EF4-FFF2-40B4-BE49-F238E27FC236}">
+                  <a16:creationId xmlns:a16="http://schemas.microsoft.com/office/drawing/2014/main" id="{A67583E5-D4A1-194C-A1E0-E3EA70265668}"/>
+                </a:ext>
+              </a:extLst>
+            </p:cNvPr>
+            <p:cNvCxnSpPr>
+              <a:cxnSpLocks/>
+              <a:stCxn id="30" idx="2"/>
+              <a:endCxn id="29" idx="0"/>
+            </p:cNvCxnSpPr>
+            <p:nvPr/>
+          </p:nvCxnSpPr>
+          <p:spPr>
+            <a:xfrm>
+              <a:off x="9266282" y="2069991"/>
+              <a:ext cx="1" cy="848617"/>
+            </a:xfrm>
+            <a:prstGeom prst="straightConnector1">
+              <a:avLst/>
+            </a:prstGeom>
+            <a:ln w="38100">
+              <a:headEnd type="triangle"/>
+              <a:tailEnd type="triangle"/>
+            </a:ln>
+          </p:spPr>
+          <p:style>
+            <a:lnRef idx="1">
+              <a:schemeClr val="accent1"/>
+            </a:lnRef>
+            <a:fillRef idx="0">
+              <a:schemeClr val="accent1"/>
+            </a:fillRef>
+            <a:effectRef idx="0">
+              <a:schemeClr val="accent1"/>
+            </a:effectRef>
+            <a:fontRef idx="minor">
+              <a:schemeClr val="tx1"/>
+            </a:fontRef>
+          </p:style>
+        </p:cxnSp>
+        <p:sp>
+          <p:nvSpPr>
+            <p:cNvPr id="32" name="TextBox 31">
+              <a:extLst>
+                <a:ext uri="{FF2B5EF4-FFF2-40B4-BE49-F238E27FC236}">
+                  <a16:creationId xmlns:a16="http://schemas.microsoft.com/office/drawing/2014/main" id="{F2FF397B-D48E-0342-833E-651E5131EDCB}"/>
+                </a:ext>
+              </a:extLst>
+            </p:cNvPr>
+            <p:cNvSpPr txBox="1"/>
+            <p:nvPr/>
+          </p:nvSpPr>
+          <p:spPr>
+            <a:xfrm>
+              <a:off x="9266281" y="2399833"/>
+              <a:ext cx="914400" cy="369332"/>
+            </a:xfrm>
+            <a:prstGeom prst="rect">
+              <a:avLst/>
+            </a:prstGeom>
+            <a:noFill/>
+          </p:spPr>
+          <p:txBody>
+            <a:bodyPr wrap="square" rtlCol="0">
+              <a:spAutoFit/>
+            </a:bodyPr>
+            <a:lstStyle/>
+            <a:p>
+              <a:r>
+                <a:rPr lang="en-US" dirty="0"/>
+                <a:t>http</a:t>
+              </a:r>
+            </a:p>
+          </p:txBody>
+        </p:sp>
+        <p:sp>
+          <p:nvSpPr>
+            <p:cNvPr id="33" name="Rectangle 32">
+              <a:extLst>
+                <a:ext uri="{FF2B5EF4-FFF2-40B4-BE49-F238E27FC236}">
+                  <a16:creationId xmlns:a16="http://schemas.microsoft.com/office/drawing/2014/main" id="{C319C804-C5C9-F240-9236-42EA5D9C833A}"/>
+                </a:ext>
+              </a:extLst>
+            </p:cNvPr>
+            <p:cNvSpPr/>
+            <p:nvPr/>
+          </p:nvSpPr>
+          <p:spPr>
+            <a:xfrm>
+              <a:off x="7957743" y="3822610"/>
+              <a:ext cx="2617076" cy="867412"/>
+            </a:xfrm>
+            <a:prstGeom prst="rect">
+              <a:avLst/>
+            </a:prstGeom>
+            <a:solidFill>
+              <a:srgbClr val="FFFF00"/>
+            </a:solidFill>
+          </p:spPr>
+          <p:style>
+            <a:lnRef idx="2">
+              <a:schemeClr val="accent1">
+                <a:shade val="50000"/>
+              </a:schemeClr>
+            </a:lnRef>
+            <a:fillRef idx="1">
+              <a:schemeClr val="accent1"/>
+            </a:fillRef>
+            <a:effectRef idx="0">
+              <a:schemeClr val="accent1"/>
+            </a:effectRef>
+            <a:fontRef idx="minor">
+              <a:schemeClr val="lt1"/>
+            </a:fontRef>
+          </p:style>
+          <p:txBody>
+            <a:bodyPr rtlCol="0" anchor="ctr"/>
+            <a:lstStyle/>
+            <a:p>
+              <a:pPr algn="ctr"/>
+              <a:endParaRPr lang="en-US"/>
+            </a:p>
+          </p:txBody>
+        </p:sp>
+        <p:sp>
+          <p:nvSpPr>
+            <p:cNvPr id="34" name="TextBox 33">
+              <a:extLst>
+                <a:ext uri="{FF2B5EF4-FFF2-40B4-BE49-F238E27FC236}">
+                  <a16:creationId xmlns:a16="http://schemas.microsoft.com/office/drawing/2014/main" id="{B80EB03D-4D31-E442-89AB-FCA3AB27B3F5}"/>
+                </a:ext>
+              </a:extLst>
+            </p:cNvPr>
+            <p:cNvSpPr txBox="1"/>
+            <p:nvPr/>
+          </p:nvSpPr>
+          <p:spPr>
+            <a:xfrm>
+              <a:off x="8222928" y="4171235"/>
+              <a:ext cx="2086707" cy="307777"/>
+            </a:xfrm>
+            <a:prstGeom prst="rect">
+              <a:avLst/>
+            </a:prstGeom>
+            <a:solidFill>
+              <a:srgbClr val="0070C0"/>
+            </a:solidFill>
+          </p:spPr>
+          <p:txBody>
+            <a:bodyPr wrap="square" rtlCol="0">
+              <a:spAutoFit/>
+            </a:bodyPr>
+            <a:lstStyle/>
+            <a:p>
+              <a:pPr algn="ctr"/>
+              <a:r>
+                <a:rPr lang="en-US" sz="1400" dirty="0" err="1">
+                  <a:solidFill>
+                    <a:schemeClr val="bg1"/>
+                  </a:solidFill>
+                </a:rPr>
+                <a:t>Coligo</a:t>
+              </a:r>
+              <a:r>
+                <a:rPr lang="en-US" sz="1400" dirty="0">
+                  <a:solidFill>
+                    <a:schemeClr val="bg1"/>
+                  </a:solidFill>
+                </a:rPr>
+                <a:t> queue proxy</a:t>
+              </a:r>
+            </a:p>
+          </p:txBody>
+        </p:sp>
+        <p:sp>
+          <p:nvSpPr>
+            <p:cNvPr id="35" name="TextBox 34">
+              <a:extLst>
+                <a:ext uri="{FF2B5EF4-FFF2-40B4-BE49-F238E27FC236}">
+                  <a16:creationId xmlns:a16="http://schemas.microsoft.com/office/drawing/2014/main" id="{0EACDABF-4EC4-E240-BF9A-738EFBBAA1C5}"/>
+                </a:ext>
+              </a:extLst>
+            </p:cNvPr>
+            <p:cNvSpPr txBox="1"/>
+            <p:nvPr/>
+          </p:nvSpPr>
+          <p:spPr>
+            <a:xfrm>
+              <a:off x="7626667" y="936448"/>
+              <a:ext cx="662152" cy="307777"/>
+            </a:xfrm>
+            <a:prstGeom prst="rect">
+              <a:avLst/>
+            </a:prstGeom>
+            <a:noFill/>
+          </p:spPr>
+          <p:txBody>
+            <a:bodyPr wrap="square" rtlCol="0">
+              <a:spAutoFit/>
+            </a:bodyPr>
+            <a:lstStyle/>
+            <a:p>
+              <a:r>
+                <a:rPr lang="en-US" sz="1400" dirty="0"/>
+                <a:t>pod</a:t>
+              </a:r>
+            </a:p>
+          </p:txBody>
+        </p:sp>
+        <p:sp>
+          <p:nvSpPr>
+            <p:cNvPr id="36" name="TextBox 35">
+              <a:extLst>
+                <a:ext uri="{FF2B5EF4-FFF2-40B4-BE49-F238E27FC236}">
+                  <a16:creationId xmlns:a16="http://schemas.microsoft.com/office/drawing/2014/main" id="{A8CA4474-160E-2548-BCD0-A48A6E633453}"/>
+                </a:ext>
+              </a:extLst>
+            </p:cNvPr>
+            <p:cNvSpPr txBox="1"/>
+            <p:nvPr/>
+          </p:nvSpPr>
+          <p:spPr>
+            <a:xfrm>
+              <a:off x="7961381" y="1373978"/>
+              <a:ext cx="2086706" cy="307777"/>
+            </a:xfrm>
+            <a:prstGeom prst="rect">
+              <a:avLst/>
+            </a:prstGeom>
+            <a:noFill/>
+          </p:spPr>
+          <p:txBody>
+            <a:bodyPr wrap="square" rtlCol="0">
+              <a:spAutoFit/>
+            </a:bodyPr>
+            <a:lstStyle/>
+            <a:p>
+              <a:r>
+                <a:rPr lang="en-US" sz="1400" dirty="0"/>
+                <a:t>user container</a:t>
+              </a:r>
+            </a:p>
+          </p:txBody>
+        </p:sp>
+        <p:sp>
+          <p:nvSpPr>
+            <p:cNvPr id="37" name="TextBox 36">
+              <a:extLst>
+                <a:ext uri="{FF2B5EF4-FFF2-40B4-BE49-F238E27FC236}">
+                  <a16:creationId xmlns:a16="http://schemas.microsoft.com/office/drawing/2014/main" id="{A663D597-1E4A-6445-A16A-997917ECABBF}"/>
+                </a:ext>
+              </a:extLst>
+            </p:cNvPr>
+            <p:cNvSpPr txBox="1"/>
+            <p:nvPr/>
+          </p:nvSpPr>
+          <p:spPr>
+            <a:xfrm>
+              <a:off x="7957743" y="3812257"/>
+              <a:ext cx="2541076" cy="307777"/>
+            </a:xfrm>
+            <a:prstGeom prst="rect">
+              <a:avLst/>
+            </a:prstGeom>
+            <a:noFill/>
+          </p:spPr>
+          <p:txBody>
+            <a:bodyPr wrap="square" rtlCol="0">
+              <a:spAutoFit/>
+            </a:bodyPr>
+            <a:lstStyle/>
+            <a:p>
+              <a:r>
+                <a:rPr lang="en-US" sz="1400" dirty="0" err="1"/>
+                <a:t>Coligo</a:t>
+              </a:r>
+              <a:r>
+                <a:rPr lang="en-US" sz="1400" dirty="0"/>
+                <a:t> system container</a:t>
+              </a:r>
+            </a:p>
+          </p:txBody>
+        </p:sp>
+      </p:grpSp>
+      <p:grpSp>
+        <p:nvGrpSpPr>
+          <p:cNvPr id="38" name="Group 37">
+            <a:extLst>
+              <a:ext uri="{FF2B5EF4-FFF2-40B4-BE49-F238E27FC236}">
+                <a16:creationId xmlns:a16="http://schemas.microsoft.com/office/drawing/2014/main" id="{2DC4774E-EA1A-2C4C-A364-D7C1AEE7AE42}"/>
+              </a:ext>
+            </a:extLst>
+          </p:cNvPr>
+          <p:cNvGrpSpPr/>
+          <p:nvPr/>
+        </p:nvGrpSpPr>
+        <p:grpSpPr>
+          <a:xfrm>
+            <a:off x="1310964" y="3379137"/>
+            <a:ext cx="2086708" cy="1494948"/>
+            <a:chOff x="5964621" y="2868403"/>
+            <a:chExt cx="2086708" cy="1494948"/>
+          </a:xfrm>
+        </p:grpSpPr>
+        <p:sp>
+          <p:nvSpPr>
+            <p:cNvPr id="39" name="TextBox 38">
+              <a:extLst>
+                <a:ext uri="{FF2B5EF4-FFF2-40B4-BE49-F238E27FC236}">
+                  <a16:creationId xmlns:a16="http://schemas.microsoft.com/office/drawing/2014/main" id="{29209EC1-7924-2640-9CD0-2657E8C71826}"/>
+                </a:ext>
+              </a:extLst>
+            </p:cNvPr>
+            <p:cNvSpPr txBox="1"/>
+            <p:nvPr/>
+          </p:nvSpPr>
+          <p:spPr>
+            <a:xfrm>
+              <a:off x="5964622" y="4024797"/>
+              <a:ext cx="2086707" cy="338554"/>
+            </a:xfrm>
+            <a:prstGeom prst="rect">
+              <a:avLst/>
+            </a:prstGeom>
+            <a:solidFill>
+              <a:schemeClr val="accent6"/>
+            </a:solidFill>
+          </p:spPr>
+          <p:txBody>
+            <a:bodyPr wrap="square" rtlCol="0">
+              <a:spAutoFit/>
+            </a:bodyPr>
+            <a:lstStyle/>
+            <a:p>
+              <a:pPr algn="ctr"/>
+              <a:r>
+                <a:rPr lang="en-US" sz="1600" dirty="0">
+                  <a:solidFill>
+                    <a:schemeClr val="bg1"/>
+                  </a:solidFill>
+                </a:rPr>
+                <a:t>YKT simulation client</a:t>
+              </a:r>
+            </a:p>
+          </p:txBody>
+        </p:sp>
+        <p:sp>
+          <p:nvSpPr>
+            <p:cNvPr id="40" name="TextBox 39">
+              <a:extLst>
+                <a:ext uri="{FF2B5EF4-FFF2-40B4-BE49-F238E27FC236}">
+                  <a16:creationId xmlns:a16="http://schemas.microsoft.com/office/drawing/2014/main" id="{1958AA99-E6D2-754A-9F32-95FA39B01BBC}"/>
+                </a:ext>
+              </a:extLst>
+            </p:cNvPr>
+            <p:cNvSpPr txBox="1"/>
+            <p:nvPr/>
+          </p:nvSpPr>
+          <p:spPr>
+            <a:xfrm>
+              <a:off x="5964621" y="2868403"/>
+              <a:ext cx="2086707" cy="400110"/>
+            </a:xfrm>
+            <a:prstGeom prst="rect">
+              <a:avLst/>
+            </a:prstGeom>
+            <a:solidFill>
+              <a:srgbClr val="0070C0"/>
+            </a:solidFill>
+          </p:spPr>
+          <p:txBody>
+            <a:bodyPr wrap="square" rtlCol="0">
+              <a:spAutoFit/>
+            </a:bodyPr>
+            <a:lstStyle/>
+            <a:p>
+              <a:pPr algn="ctr"/>
+              <a:r>
+                <a:rPr lang="en-US" sz="2000" dirty="0">
+                  <a:solidFill>
+                    <a:schemeClr val="bg1"/>
+                  </a:solidFill>
+                </a:rPr>
+                <a:t>KAR sidecar</a:t>
+              </a:r>
+            </a:p>
+          </p:txBody>
+        </p:sp>
+        <p:cxnSp>
+          <p:nvCxnSpPr>
+            <p:cNvPr id="41" name="Straight Arrow Connector 40">
+              <a:extLst>
+                <a:ext uri="{FF2B5EF4-FFF2-40B4-BE49-F238E27FC236}">
+                  <a16:creationId xmlns:a16="http://schemas.microsoft.com/office/drawing/2014/main" id="{78C1A54A-69D2-0B41-B1AD-D2A9CC999D07}"/>
+                </a:ext>
+              </a:extLst>
+            </p:cNvPr>
+            <p:cNvCxnSpPr>
+              <a:cxnSpLocks/>
+              <a:stCxn id="40" idx="2"/>
+              <a:endCxn id="39" idx="0"/>
+            </p:cNvCxnSpPr>
+            <p:nvPr/>
+          </p:nvCxnSpPr>
+          <p:spPr>
+            <a:xfrm>
+              <a:off x="7007975" y="3268513"/>
+              <a:ext cx="1" cy="756284"/>
+            </a:xfrm>
+            <a:prstGeom prst="straightConnector1">
+              <a:avLst/>
+            </a:prstGeom>
+            <a:ln w="38100">
+              <a:headEnd type="triangle"/>
+              <a:tailEnd type="triangle"/>
+            </a:ln>
+          </p:spPr>
+          <p:style>
+            <a:lnRef idx="1">
+              <a:schemeClr val="accent1"/>
+            </a:lnRef>
+            <a:fillRef idx="0">
+              <a:schemeClr val="accent1"/>
+            </a:fillRef>
+            <a:effectRef idx="0">
+              <a:schemeClr val="accent1"/>
+            </a:effectRef>
+            <a:fontRef idx="minor">
+              <a:schemeClr val="tx1"/>
+            </a:fontRef>
+          </p:style>
+        </p:cxnSp>
+        <p:sp>
+          <p:nvSpPr>
+            <p:cNvPr id="42" name="TextBox 41">
+              <a:extLst>
+                <a:ext uri="{FF2B5EF4-FFF2-40B4-BE49-F238E27FC236}">
+                  <a16:creationId xmlns:a16="http://schemas.microsoft.com/office/drawing/2014/main" id="{6A0A4A2D-8523-FA4C-BF41-CEB79FFEB601}"/>
+                </a:ext>
+              </a:extLst>
+            </p:cNvPr>
+            <p:cNvSpPr txBox="1"/>
+            <p:nvPr/>
+          </p:nvSpPr>
+          <p:spPr>
+            <a:xfrm>
+              <a:off x="7007974" y="3506022"/>
+              <a:ext cx="914400" cy="369332"/>
+            </a:xfrm>
+            <a:prstGeom prst="rect">
+              <a:avLst/>
+            </a:prstGeom>
+            <a:noFill/>
+          </p:spPr>
+          <p:txBody>
+            <a:bodyPr wrap="square" rtlCol="0">
+              <a:spAutoFit/>
+            </a:bodyPr>
+            <a:lstStyle/>
+            <a:p>
+              <a:r>
+                <a:rPr lang="en-US" dirty="0"/>
+                <a:t>http</a:t>
+              </a:r>
+            </a:p>
+          </p:txBody>
+        </p:sp>
+      </p:grpSp>
+      <p:sp>
+        <p:nvSpPr>
+          <p:cNvPr id="43" name="TextBox 42">
+            <a:extLst>
+              <a:ext uri="{FF2B5EF4-FFF2-40B4-BE49-F238E27FC236}">
+                <a16:creationId xmlns:a16="http://schemas.microsoft.com/office/drawing/2014/main" id="{7B6B9CBA-F9C4-D84D-87BC-2FC29EFC5263}"/>
+              </a:ext>
+            </a:extLst>
+          </p:cNvPr>
+          <p:cNvSpPr txBox="1"/>
+          <p:nvPr/>
+        </p:nvSpPr>
+        <p:spPr>
+          <a:xfrm>
+            <a:off x="810510" y="2336800"/>
+            <a:ext cx="2870200" cy="369332"/>
+          </a:xfrm>
+          <a:prstGeom prst="rect">
+            <a:avLst/>
+          </a:prstGeom>
+          <a:noFill/>
+        </p:spPr>
+        <p:txBody>
+          <a:bodyPr wrap="square" rtlCol="0">
+            <a:spAutoFit/>
+          </a:bodyPr>
+          <a:lstStyle/>
+          <a:p>
+            <a:r>
+              <a:rPr lang="en-US" dirty="0"/>
+              <a:t>Developer Laptop</a:t>
+            </a:r>
+          </a:p>
+        </p:txBody>
+      </p:sp>
+      <p:cxnSp>
+        <p:nvCxnSpPr>
+          <p:cNvPr id="44" name="Straight Arrow Connector 43">
+            <a:extLst>
+              <a:ext uri="{FF2B5EF4-FFF2-40B4-BE49-F238E27FC236}">
+                <a16:creationId xmlns:a16="http://schemas.microsoft.com/office/drawing/2014/main" id="{74A6FC70-AEB9-2440-92EA-A53CC98C603E}"/>
+              </a:ext>
+            </a:extLst>
+          </p:cNvPr>
+          <p:cNvCxnSpPr>
+            <a:cxnSpLocks/>
+          </p:cNvCxnSpPr>
+          <p:nvPr/>
+        </p:nvCxnSpPr>
+        <p:spPr>
+          <a:xfrm flipH="1">
+            <a:off x="2323348" y="1409944"/>
+            <a:ext cx="1383322" cy="1968433"/>
+          </a:xfrm>
+          <a:prstGeom prst="straightConnector1">
+            <a:avLst/>
+          </a:prstGeom>
+          <a:ln w="38100">
+            <a:headEnd type="triangle"/>
+            <a:tailEnd type="triangle"/>
+          </a:ln>
+        </p:spPr>
+        <p:style>
+          <a:lnRef idx="1">
+            <a:schemeClr val="accent1"/>
+          </a:lnRef>
+          <a:fillRef idx="0">
+            <a:schemeClr val="accent1"/>
+          </a:fillRef>
+          <a:effectRef idx="0">
+            <a:schemeClr val="accent1"/>
+          </a:effectRef>
+          <a:fontRef idx="minor">
+            <a:schemeClr val="tx1"/>
+          </a:fontRef>
+        </p:style>
+      </p:cxnSp>
+      <p:cxnSp>
+        <p:nvCxnSpPr>
+          <p:cNvPr id="45" name="Straight Arrow Connector 44">
+            <a:extLst>
+              <a:ext uri="{FF2B5EF4-FFF2-40B4-BE49-F238E27FC236}">
+                <a16:creationId xmlns:a16="http://schemas.microsoft.com/office/drawing/2014/main" id="{A794F69F-F119-BC4C-AD6D-202B8FD83158}"/>
+              </a:ext>
+            </a:extLst>
+          </p:cNvPr>
+          <p:cNvCxnSpPr>
+            <a:cxnSpLocks/>
+            <a:stCxn id="4" idx="3"/>
+            <a:endCxn id="40" idx="0"/>
+          </p:cNvCxnSpPr>
+          <p:nvPr/>
+        </p:nvCxnSpPr>
+        <p:spPr>
+          <a:xfrm flipH="1">
+            <a:off x="2354318" y="1591327"/>
+            <a:ext cx="4460329" cy="1787810"/>
+          </a:xfrm>
+          <a:prstGeom prst="straightConnector1">
+            <a:avLst/>
+          </a:prstGeom>
+          <a:ln w="38100">
+            <a:headEnd type="triangle"/>
+            <a:tailEnd type="triangle"/>
+          </a:ln>
+        </p:spPr>
+        <p:style>
+          <a:lnRef idx="1">
+            <a:schemeClr val="accent1"/>
+          </a:lnRef>
+          <a:fillRef idx="0">
+            <a:schemeClr val="accent1"/>
+          </a:fillRef>
+          <a:effectRef idx="0">
+            <a:schemeClr val="accent1"/>
+          </a:effectRef>
+          <a:fontRef idx="minor">
+            <a:schemeClr val="tx1"/>
+          </a:fontRef>
+        </p:style>
+      </p:cxnSp>
+      <p:cxnSp>
+        <p:nvCxnSpPr>
+          <p:cNvPr id="47" name="Straight Arrow Connector 46">
+            <a:extLst>
+              <a:ext uri="{FF2B5EF4-FFF2-40B4-BE49-F238E27FC236}">
+                <a16:creationId xmlns:a16="http://schemas.microsoft.com/office/drawing/2014/main" id="{1F14E7D7-F1C7-C542-8CF1-E0036BF718FA}"/>
+              </a:ext>
+            </a:extLst>
+          </p:cNvPr>
+          <p:cNvCxnSpPr>
+            <a:cxnSpLocks/>
+          </p:cNvCxnSpPr>
+          <p:nvPr/>
+        </p:nvCxnSpPr>
+        <p:spPr>
+          <a:xfrm>
+            <a:off x="4460151" y="1435255"/>
+            <a:ext cx="2918768" cy="2041338"/>
+          </a:xfrm>
+          <a:prstGeom prst="straightConnector1">
+            <a:avLst/>
+          </a:prstGeom>
+          <a:ln w="38100">
+            <a:headEnd type="triangle"/>
+            <a:tailEnd type="triangle"/>
+          </a:ln>
+        </p:spPr>
+        <p:style>
+          <a:lnRef idx="1">
+            <a:schemeClr val="accent1"/>
+          </a:lnRef>
+          <a:fillRef idx="0">
+            <a:schemeClr val="accent1"/>
+          </a:fillRef>
+          <a:effectRef idx="0">
+            <a:schemeClr val="accent1"/>
+          </a:effectRef>
+          <a:fontRef idx="minor">
+            <a:schemeClr val="tx1"/>
+          </a:fontRef>
+        </p:style>
+      </p:cxnSp>
+      <p:cxnSp>
+        <p:nvCxnSpPr>
+          <p:cNvPr id="49" name="Straight Arrow Connector 48">
+            <a:extLst>
+              <a:ext uri="{FF2B5EF4-FFF2-40B4-BE49-F238E27FC236}">
+                <a16:creationId xmlns:a16="http://schemas.microsoft.com/office/drawing/2014/main" id="{613E5E66-DB46-A540-8F12-60AB5F64DA79}"/>
+              </a:ext>
+            </a:extLst>
+          </p:cNvPr>
+          <p:cNvCxnSpPr>
+            <a:cxnSpLocks/>
+          </p:cNvCxnSpPr>
+          <p:nvPr/>
+        </p:nvCxnSpPr>
+        <p:spPr>
+          <a:xfrm>
+            <a:off x="4589946" y="1435255"/>
+            <a:ext cx="6115956" cy="2078377"/>
+          </a:xfrm>
+          <a:prstGeom prst="straightConnector1">
+            <a:avLst/>
+          </a:prstGeom>
+          <a:ln w="38100">
+            <a:headEnd type="triangle"/>
+            <a:tailEnd type="triangle"/>
+          </a:ln>
+        </p:spPr>
+        <p:style>
+          <a:lnRef idx="1">
+            <a:schemeClr val="accent1"/>
+          </a:lnRef>
+          <a:fillRef idx="0">
+            <a:schemeClr val="accent1"/>
+          </a:fillRef>
+          <a:effectRef idx="0">
+            <a:schemeClr val="accent1"/>
+          </a:effectRef>
+          <a:fontRef idx="minor">
+            <a:schemeClr val="tx1"/>
+          </a:fontRef>
+        </p:style>
+      </p:cxnSp>
+      <p:cxnSp>
+        <p:nvCxnSpPr>
+          <p:cNvPr id="51" name="Straight Arrow Connector 50">
+            <a:extLst>
+              <a:ext uri="{FF2B5EF4-FFF2-40B4-BE49-F238E27FC236}">
+                <a16:creationId xmlns:a16="http://schemas.microsoft.com/office/drawing/2014/main" id="{54A850EB-9FB4-C947-AA6E-D2147D99C23D}"/>
+              </a:ext>
+            </a:extLst>
+          </p:cNvPr>
+          <p:cNvCxnSpPr>
+            <a:cxnSpLocks/>
+            <a:stCxn id="4" idx="3"/>
+            <a:endCxn id="18" idx="0"/>
+          </p:cNvCxnSpPr>
+          <p:nvPr/>
+        </p:nvCxnSpPr>
+        <p:spPr>
+          <a:xfrm>
+            <a:off x="6814647" y="1591327"/>
+            <a:ext cx="564273" cy="1918779"/>
+          </a:xfrm>
+          <a:prstGeom prst="straightConnector1">
+            <a:avLst/>
+          </a:prstGeom>
+          <a:ln w="38100">
+            <a:headEnd type="triangle"/>
+            <a:tailEnd type="triangle"/>
+          </a:ln>
+        </p:spPr>
+        <p:style>
+          <a:lnRef idx="1">
+            <a:schemeClr val="accent1"/>
+          </a:lnRef>
+          <a:fillRef idx="0">
+            <a:schemeClr val="accent1"/>
+          </a:fillRef>
+          <a:effectRef idx="0">
+            <a:schemeClr val="accent1"/>
+          </a:effectRef>
+          <a:fontRef idx="minor">
+            <a:schemeClr val="tx1"/>
+          </a:fontRef>
+        </p:style>
+      </p:cxnSp>
+      <p:cxnSp>
+        <p:nvCxnSpPr>
+          <p:cNvPr id="54" name="Straight Arrow Connector 53">
+            <a:extLst>
+              <a:ext uri="{FF2B5EF4-FFF2-40B4-BE49-F238E27FC236}">
+                <a16:creationId xmlns:a16="http://schemas.microsoft.com/office/drawing/2014/main" id="{8C05BE96-1C51-4041-BAF1-B412B73C90F2}"/>
+              </a:ext>
+            </a:extLst>
+          </p:cNvPr>
+          <p:cNvCxnSpPr>
+            <a:cxnSpLocks/>
+            <a:stCxn id="4" idx="3"/>
+          </p:cNvCxnSpPr>
+          <p:nvPr/>
+        </p:nvCxnSpPr>
+        <p:spPr>
+          <a:xfrm>
+            <a:off x="6814647" y="1591327"/>
+            <a:ext cx="4050664" cy="1889298"/>
+          </a:xfrm>
+          <a:prstGeom prst="straightConnector1">
+            <a:avLst/>
+          </a:prstGeom>
+          <a:ln w="38100">
+            <a:headEnd type="triangle"/>
+            <a:tailEnd type="triangle"/>
+          </a:ln>
+        </p:spPr>
+        <p:style>
+          <a:lnRef idx="1">
+            <a:schemeClr val="accent1"/>
+          </a:lnRef>
+          <a:fillRef idx="0">
+            <a:schemeClr val="accent1"/>
+          </a:fillRef>
+          <a:effectRef idx="0">
+            <a:schemeClr val="accent1"/>
+          </a:effectRef>
+          <a:fontRef idx="minor">
+            <a:schemeClr val="tx1"/>
+          </a:fontRef>
+        </p:style>
+      </p:cxnSp>
+    </p:spTree>
+    <p:extLst>
+      <p:ext uri="{BB962C8B-B14F-4D97-AF65-F5344CB8AC3E}">
+        <p14:creationId xmlns:p14="http://schemas.microsoft.com/office/powerpoint/2010/main" val="331701655"/>
+      </p:ext>
+    </p:extLst>
+  </p:cSld>
+  <p:clrMapOvr>
+    <a:masterClrMapping/>
+  </p:clrMapOvr>
 </p:sld>
 </file>
 

--- a/docs/image-sources/example-figures.pptx
+++ b/docs/image-sources/example-figures.pptx
@@ -5,12 +5,14 @@
     <p:sldMasterId id="2147483648" r:id="rId1"/>
   </p:sldMasterIdLst>
   <p:notesMasterIdLst>
-    <p:notesMasterId r:id="rId5"/>
+    <p:notesMasterId r:id="rId7"/>
   </p:notesMasterIdLst>
   <p:sldIdLst>
     <p:sldId id="141168576" r:id="rId2"/>
     <p:sldId id="141168577" r:id="rId3"/>
     <p:sldId id="141168578" r:id="rId4"/>
+    <p:sldId id="141168579" r:id="rId5"/>
+    <p:sldId id="141168580" r:id="rId6"/>
   </p:sldIdLst>
   <p:sldSz cx="12192000" cy="6858000"/>
   <p:notesSz cx="6858000" cy="9144000"/>
@@ -199,7 +201,7 @@
           <a:p>
             <a:fld id="{DC65C951-F6DB-3040-8A26-A34F90C6DE08}" type="datetimeFigureOut">
               <a:rPr lang="en-US" smtClean="0"/>
-              <a:t>6/25/20</a:t>
+              <a:t>7/14/20</a:t>
             </a:fld>
             <a:endParaRPr lang="en-US"/>
           </a:p>
@@ -634,6 +636,174 @@
 </p:notes>
 </file>
 
+<file path=ppt/notesSlides/notesSlide3.xml><?xml version="1.0" encoding="utf-8"?>
+<p:notes xmlns:a="http://schemas.openxmlformats.org/drawingml/2006/main" xmlns:r="http://schemas.openxmlformats.org/officeDocument/2006/relationships" xmlns:p="http://schemas.openxmlformats.org/presentationml/2006/main">
+  <p:cSld>
+    <p:spTree>
+      <p:nvGrpSpPr>
+        <p:cNvPr id="1" name=""/>
+        <p:cNvGrpSpPr/>
+        <p:nvPr/>
+      </p:nvGrpSpPr>
+      <p:grpSpPr>
+        <a:xfrm>
+          <a:off x="0" y="0"/>
+          <a:ext cx="0" cy="0"/>
+          <a:chOff x="0" y="0"/>
+          <a:chExt cx="0" cy="0"/>
+        </a:xfrm>
+      </p:grpSpPr>
+      <p:sp>
+        <p:nvSpPr>
+          <p:cNvPr id="2" name="Slide Image Placeholder 1"/>
+          <p:cNvSpPr>
+            <a:spLocks noGrp="1" noRot="1" noChangeAspect="1"/>
+          </p:cNvSpPr>
+          <p:nvPr>
+            <p:ph type="sldImg"/>
+          </p:nvPr>
+        </p:nvSpPr>
+        <p:spPr/>
+      </p:sp>
+      <p:sp>
+        <p:nvSpPr>
+          <p:cNvPr id="3" name="Notes Placeholder 2"/>
+          <p:cNvSpPr>
+            <a:spLocks noGrp="1"/>
+          </p:cNvSpPr>
+          <p:nvPr>
+            <p:ph type="body" idx="1"/>
+          </p:nvPr>
+        </p:nvSpPr>
+        <p:spPr/>
+        <p:txBody>
+          <a:bodyPr/>
+          <a:lstStyle/>
+          <a:p>
+            <a:endParaRPr lang="en-US" dirty="0"/>
+          </a:p>
+        </p:txBody>
+      </p:sp>
+      <p:sp>
+        <p:nvSpPr>
+          <p:cNvPr id="4" name="Slide Number Placeholder 3"/>
+          <p:cNvSpPr>
+            <a:spLocks noGrp="1"/>
+          </p:cNvSpPr>
+          <p:nvPr>
+            <p:ph type="sldNum" sz="quarter" idx="5"/>
+          </p:nvPr>
+        </p:nvSpPr>
+        <p:spPr/>
+        <p:txBody>
+          <a:bodyPr/>
+          <a:lstStyle/>
+          <a:p>
+            <a:fld id="{F8718245-CAD1-A54C-B552-20A67B8F34B2}" type="slidenum">
+              <a:rPr lang="en-US" smtClean="0"/>
+              <a:t>4</a:t>
+            </a:fld>
+            <a:endParaRPr lang="en-US"/>
+          </a:p>
+        </p:txBody>
+      </p:sp>
+    </p:spTree>
+    <p:extLst>
+      <p:ext uri="{BB962C8B-B14F-4D97-AF65-F5344CB8AC3E}">
+        <p14:creationId xmlns:p14="http://schemas.microsoft.com/office/powerpoint/2010/main" val="3901642021"/>
+      </p:ext>
+    </p:extLst>
+  </p:cSld>
+  <p:clrMapOvr>
+    <a:masterClrMapping/>
+  </p:clrMapOvr>
+</p:notes>
+</file>
+
+<file path=ppt/notesSlides/notesSlide4.xml><?xml version="1.0" encoding="utf-8"?>
+<p:notes xmlns:a="http://schemas.openxmlformats.org/drawingml/2006/main" xmlns:r="http://schemas.openxmlformats.org/officeDocument/2006/relationships" xmlns:p="http://schemas.openxmlformats.org/presentationml/2006/main">
+  <p:cSld>
+    <p:spTree>
+      <p:nvGrpSpPr>
+        <p:cNvPr id="1" name=""/>
+        <p:cNvGrpSpPr/>
+        <p:nvPr/>
+      </p:nvGrpSpPr>
+      <p:grpSpPr>
+        <a:xfrm>
+          <a:off x="0" y="0"/>
+          <a:ext cx="0" cy="0"/>
+          <a:chOff x="0" y="0"/>
+          <a:chExt cx="0" cy="0"/>
+        </a:xfrm>
+      </p:grpSpPr>
+      <p:sp>
+        <p:nvSpPr>
+          <p:cNvPr id="2" name="Slide Image Placeholder 1"/>
+          <p:cNvSpPr>
+            <a:spLocks noGrp="1" noRot="1" noChangeAspect="1"/>
+          </p:cNvSpPr>
+          <p:nvPr>
+            <p:ph type="sldImg"/>
+          </p:nvPr>
+        </p:nvSpPr>
+        <p:spPr/>
+      </p:sp>
+      <p:sp>
+        <p:nvSpPr>
+          <p:cNvPr id="3" name="Notes Placeholder 2"/>
+          <p:cNvSpPr>
+            <a:spLocks noGrp="1"/>
+          </p:cNvSpPr>
+          <p:nvPr>
+            <p:ph type="body" idx="1"/>
+          </p:nvPr>
+        </p:nvSpPr>
+        <p:spPr/>
+        <p:txBody>
+          <a:bodyPr/>
+          <a:lstStyle/>
+          <a:p>
+            <a:endParaRPr lang="en-US" dirty="0"/>
+          </a:p>
+        </p:txBody>
+      </p:sp>
+      <p:sp>
+        <p:nvSpPr>
+          <p:cNvPr id="4" name="Slide Number Placeholder 3"/>
+          <p:cNvSpPr>
+            <a:spLocks noGrp="1"/>
+          </p:cNvSpPr>
+          <p:nvPr>
+            <p:ph type="sldNum" sz="quarter" idx="5"/>
+          </p:nvPr>
+        </p:nvSpPr>
+        <p:spPr/>
+        <p:txBody>
+          <a:bodyPr/>
+          <a:lstStyle/>
+          <a:p>
+            <a:fld id="{F8718245-CAD1-A54C-B552-20A67B8F34B2}" type="slidenum">
+              <a:rPr lang="en-US" smtClean="0"/>
+              <a:t>5</a:t>
+            </a:fld>
+            <a:endParaRPr lang="en-US"/>
+          </a:p>
+        </p:txBody>
+      </p:sp>
+    </p:spTree>
+    <p:extLst>
+      <p:ext uri="{BB962C8B-B14F-4D97-AF65-F5344CB8AC3E}">
+        <p14:creationId xmlns:p14="http://schemas.microsoft.com/office/powerpoint/2010/main" val="1667945266"/>
+      </p:ext>
+    </p:extLst>
+  </p:cSld>
+  <p:clrMapOvr>
+    <a:masterClrMapping/>
+  </p:clrMapOvr>
+</p:notes>
+</file>
+
 <file path=ppt/slideLayouts/slideLayout1.xml><?xml version="1.0" encoding="utf-8"?>
 <p:sldLayout xmlns:a="http://schemas.openxmlformats.org/drawingml/2006/main" xmlns:r="http://schemas.openxmlformats.org/officeDocument/2006/relationships" xmlns:p="http://schemas.openxmlformats.org/presentationml/2006/main" type="title" preserve="1">
   <p:cSld name="Title Slide">
@@ -781,7 +951,7 @@
           <a:p>
             <a:fld id="{F924721D-9C5E-6B49-AC5B-655F66DDA7A3}" type="datetime1">
               <a:rPr lang="en-US" smtClean="0"/>
-              <a:t>6/25/20</a:t>
+              <a:t>7/14/20</a:t>
             </a:fld>
             <a:endParaRPr lang="en-US"/>
           </a:p>
@@ -979,7 +1149,7 @@
           <a:p>
             <a:fld id="{410D5C4C-AC47-7642-B604-A05A66F14757}" type="datetime1">
               <a:rPr lang="en-US" smtClean="0"/>
-              <a:t>6/25/20</a:t>
+              <a:t>7/14/20</a:t>
             </a:fld>
             <a:endParaRPr lang="en-US"/>
           </a:p>
@@ -1187,7 +1357,7 @@
           <a:p>
             <a:fld id="{81BFAE4C-29D7-A84F-A4B9-15F332B42075}" type="datetime1">
               <a:rPr lang="en-US" smtClean="0"/>
-              <a:t>6/25/20</a:t>
+              <a:t>7/14/20</a:t>
             </a:fld>
             <a:endParaRPr lang="en-US"/>
           </a:p>
@@ -1385,7 +1555,7 @@
           <a:p>
             <a:fld id="{F32190BF-3CB9-4F4C-9755-39D6FE4B7A74}" type="datetime1">
               <a:rPr lang="en-US" smtClean="0"/>
-              <a:t>6/25/20</a:t>
+              <a:t>7/14/20</a:t>
             </a:fld>
             <a:endParaRPr lang="en-US"/>
           </a:p>
@@ -1660,7 +1830,7 @@
           <a:p>
             <a:fld id="{E19308FC-30CC-9741-A0ED-8F155680C791}" type="datetime1">
               <a:rPr lang="en-US" smtClean="0"/>
-              <a:t>6/25/20</a:t>
+              <a:t>7/14/20</a:t>
             </a:fld>
             <a:endParaRPr lang="en-US"/>
           </a:p>
@@ -1925,7 +2095,7 @@
           <a:p>
             <a:fld id="{6841A4A3-0324-C64F-9FE7-6903EC895BB9}" type="datetime1">
               <a:rPr lang="en-US" smtClean="0"/>
-              <a:t>6/25/20</a:t>
+              <a:t>7/14/20</a:t>
             </a:fld>
             <a:endParaRPr lang="en-US"/>
           </a:p>
@@ -2337,7 +2507,7 @@
           <a:p>
             <a:fld id="{1E90409D-4799-CD41-898D-FC6CC1258871}" type="datetime1">
               <a:rPr lang="en-US" smtClean="0"/>
-              <a:t>6/25/20</a:t>
+              <a:t>7/14/20</a:t>
             </a:fld>
             <a:endParaRPr lang="en-US"/>
           </a:p>
@@ -2478,7 +2648,7 @@
           <a:p>
             <a:fld id="{34C43BAA-C11F-FD4E-8D10-9852881CF7D8}" type="datetime1">
               <a:rPr lang="en-US" smtClean="0"/>
-              <a:t>6/25/20</a:t>
+              <a:t>7/14/20</a:t>
             </a:fld>
             <a:endParaRPr lang="en-US"/>
           </a:p>
@@ -2591,7 +2761,7 @@
           <a:p>
             <a:fld id="{D997C73D-4315-D949-8336-F9609DECEE68}" type="datetime1">
               <a:rPr lang="en-US" smtClean="0"/>
-              <a:t>6/25/20</a:t>
+              <a:t>7/14/20</a:t>
             </a:fld>
             <a:endParaRPr lang="en-US"/>
           </a:p>
@@ -2902,7 +3072,7 @@
           <a:p>
             <a:fld id="{392654A9-410C-824C-82D8-C652E365CD9E}" type="datetime1">
               <a:rPr lang="en-US" smtClean="0"/>
-              <a:t>6/25/20</a:t>
+              <a:t>7/14/20</a:t>
             </a:fld>
             <a:endParaRPr lang="en-US"/>
           </a:p>
@@ -3190,7 +3360,7 @@
           <a:p>
             <a:fld id="{8A615C88-D66E-A94A-8D6A-02B32F892117}" type="datetime1">
               <a:rPr lang="en-US" smtClean="0"/>
-              <a:t>6/25/20</a:t>
+              <a:t>7/14/20</a:t>
             </a:fld>
             <a:endParaRPr lang="en-US"/>
           </a:p>
@@ -3431,7 +3601,7 @@
           <a:p>
             <a:fld id="{CD1EC2A6-1E91-8048-8D30-369F2C578845}" type="datetime1">
               <a:rPr lang="en-US" smtClean="0"/>
-              <a:t>6/25/20</a:t>
+              <a:t>7/14/20</a:t>
             </a:fld>
             <a:endParaRPr lang="en-US"/>
           </a:p>
@@ -8604,6 +8774,2915 @@
     <p:extLst>
       <p:ext uri="{BB962C8B-B14F-4D97-AF65-F5344CB8AC3E}">
         <p14:creationId xmlns:p14="http://schemas.microsoft.com/office/powerpoint/2010/main" val="331701655"/>
+      </p:ext>
+    </p:extLst>
+  </p:cSld>
+  <p:clrMapOvr>
+    <a:masterClrMapping/>
+  </p:clrMapOvr>
+</p:sld>
+</file>
+
+<file path=ppt/slides/slide4.xml><?xml version="1.0" encoding="utf-8"?>
+<p:sld xmlns:a="http://schemas.openxmlformats.org/drawingml/2006/main" xmlns:r="http://schemas.openxmlformats.org/officeDocument/2006/relationships" xmlns:p="http://schemas.openxmlformats.org/presentationml/2006/main">
+  <p:cSld>
+    <p:spTree>
+      <p:nvGrpSpPr>
+        <p:cNvPr id="1" name=""/>
+        <p:cNvGrpSpPr/>
+        <p:nvPr/>
+      </p:nvGrpSpPr>
+      <p:grpSpPr>
+        <a:xfrm>
+          <a:off x="0" y="0"/>
+          <a:ext cx="0" cy="0"/>
+          <a:chOff x="0" y="0"/>
+          <a:chExt cx="0" cy="0"/>
+        </a:xfrm>
+      </p:grpSpPr>
+      <p:sp>
+        <p:nvSpPr>
+          <p:cNvPr id="18" name="Rounded Rectangle 17">
+            <a:extLst>
+              <a:ext uri="{FF2B5EF4-FFF2-40B4-BE49-F238E27FC236}">
+                <a16:creationId xmlns:a16="http://schemas.microsoft.com/office/drawing/2014/main" id="{D4E854A3-70BB-D644-B0E2-8D12F5D60607}"/>
+              </a:ext>
+            </a:extLst>
+          </p:cNvPr>
+          <p:cNvSpPr/>
+          <p:nvPr/>
+        </p:nvSpPr>
+        <p:spPr>
+          <a:xfrm>
+            <a:off x="5193323" y="2154545"/>
+            <a:ext cx="2690445" cy="1031631"/>
+          </a:xfrm>
+          <a:prstGeom prst="roundRect">
+            <a:avLst/>
+          </a:prstGeom>
+        </p:spPr>
+        <p:style>
+          <a:lnRef idx="2">
+            <a:schemeClr val="accent1">
+              <a:shade val="50000"/>
+            </a:schemeClr>
+          </a:lnRef>
+          <a:fillRef idx="1">
+            <a:schemeClr val="accent1"/>
+          </a:fillRef>
+          <a:effectRef idx="0">
+            <a:schemeClr val="accent1"/>
+          </a:effectRef>
+          <a:fontRef idx="minor">
+            <a:schemeClr val="lt1"/>
+          </a:fontRef>
+        </p:style>
+        <p:txBody>
+          <a:bodyPr rtlCol="0" anchor="ctr"/>
+          <a:lstStyle/>
+          <a:p>
+            <a:pPr algn="ctr"/>
+            <a:r>
+              <a:rPr lang="en-US" sz="2400" dirty="0"/>
+              <a:t>KAR Service Mesh</a:t>
+            </a:r>
+          </a:p>
+        </p:txBody>
+      </p:sp>
+      <p:sp>
+        <p:nvSpPr>
+          <p:cNvPr id="50" name="TextBox 49">
+            <a:extLst>
+              <a:ext uri="{FF2B5EF4-FFF2-40B4-BE49-F238E27FC236}">
+                <a16:creationId xmlns:a16="http://schemas.microsoft.com/office/drawing/2014/main" id="{3DCCF9A3-AA0E-194C-AC93-432CFE41AFC9}"/>
+              </a:ext>
+            </a:extLst>
+          </p:cNvPr>
+          <p:cNvSpPr txBox="1"/>
+          <p:nvPr/>
+        </p:nvSpPr>
+        <p:spPr>
+          <a:xfrm>
+            <a:off x="2831126" y="5798853"/>
+            <a:ext cx="2086707" cy="830997"/>
+          </a:xfrm>
+          <a:prstGeom prst="rect">
+            <a:avLst/>
+          </a:prstGeom>
+          <a:solidFill>
+            <a:schemeClr val="accent6"/>
+          </a:solidFill>
+        </p:spPr>
+        <p:txBody>
+          <a:bodyPr wrap="square" rtlCol="0">
+            <a:spAutoFit/>
+          </a:bodyPr>
+          <a:lstStyle/>
+          <a:p>
+            <a:pPr algn="ctr"/>
+            <a:r>
+              <a:rPr lang="en-US" sz="2400" dirty="0">
+                <a:solidFill>
+                  <a:schemeClr val="bg1"/>
+                </a:solidFill>
+              </a:rPr>
+              <a:t>Simulation Control</a:t>
+            </a:r>
+          </a:p>
+        </p:txBody>
+      </p:sp>
+      <p:sp>
+        <p:nvSpPr>
+          <p:cNvPr id="51" name="TextBox 50">
+            <a:extLst>
+              <a:ext uri="{FF2B5EF4-FFF2-40B4-BE49-F238E27FC236}">
+                <a16:creationId xmlns:a16="http://schemas.microsoft.com/office/drawing/2014/main" id="{7013DF50-956D-C244-BAAC-E043039CF135}"/>
+              </a:ext>
+            </a:extLst>
+          </p:cNvPr>
+          <p:cNvSpPr txBox="1"/>
+          <p:nvPr/>
+        </p:nvSpPr>
+        <p:spPr>
+          <a:xfrm>
+            <a:off x="2831125" y="4642459"/>
+            <a:ext cx="2086707" cy="400110"/>
+          </a:xfrm>
+          <a:prstGeom prst="rect">
+            <a:avLst/>
+          </a:prstGeom>
+          <a:solidFill>
+            <a:srgbClr val="0070C0"/>
+          </a:solidFill>
+        </p:spPr>
+        <p:txBody>
+          <a:bodyPr wrap="square" rtlCol="0">
+            <a:spAutoFit/>
+          </a:bodyPr>
+          <a:lstStyle/>
+          <a:p>
+            <a:pPr algn="ctr"/>
+            <a:r>
+              <a:rPr lang="en-US" sz="2000" dirty="0">
+                <a:solidFill>
+                  <a:schemeClr val="bg1"/>
+                </a:solidFill>
+              </a:rPr>
+              <a:t>KAR sidecar</a:t>
+            </a:r>
+          </a:p>
+        </p:txBody>
+      </p:sp>
+      <p:cxnSp>
+        <p:nvCxnSpPr>
+          <p:cNvPr id="52" name="Straight Arrow Connector 51">
+            <a:extLst>
+              <a:ext uri="{FF2B5EF4-FFF2-40B4-BE49-F238E27FC236}">
+                <a16:creationId xmlns:a16="http://schemas.microsoft.com/office/drawing/2014/main" id="{1ADC2670-884D-D24D-B16C-081AA05054A9}"/>
+              </a:ext>
+            </a:extLst>
+          </p:cNvPr>
+          <p:cNvCxnSpPr>
+            <a:cxnSpLocks/>
+            <a:stCxn id="51" idx="2"/>
+            <a:endCxn id="50" idx="0"/>
+          </p:cNvCxnSpPr>
+          <p:nvPr/>
+        </p:nvCxnSpPr>
+        <p:spPr>
+          <a:xfrm>
+            <a:off x="3874479" y="5042569"/>
+            <a:ext cx="1" cy="756284"/>
+          </a:xfrm>
+          <a:prstGeom prst="straightConnector1">
+            <a:avLst/>
+          </a:prstGeom>
+          <a:ln w="38100">
+            <a:headEnd type="triangle"/>
+            <a:tailEnd type="triangle"/>
+          </a:ln>
+        </p:spPr>
+        <p:style>
+          <a:lnRef idx="1">
+            <a:schemeClr val="accent1"/>
+          </a:lnRef>
+          <a:fillRef idx="0">
+            <a:schemeClr val="accent1"/>
+          </a:fillRef>
+          <a:effectRef idx="0">
+            <a:schemeClr val="accent1"/>
+          </a:effectRef>
+          <a:fontRef idx="minor">
+            <a:schemeClr val="tx1"/>
+          </a:fontRef>
+        </p:style>
+      </p:cxnSp>
+      <p:sp>
+        <p:nvSpPr>
+          <p:cNvPr id="53" name="TextBox 52">
+            <a:extLst>
+              <a:ext uri="{FF2B5EF4-FFF2-40B4-BE49-F238E27FC236}">
+                <a16:creationId xmlns:a16="http://schemas.microsoft.com/office/drawing/2014/main" id="{0D06758F-3BDA-8C4E-8F31-E9EE9C084D19}"/>
+              </a:ext>
+            </a:extLst>
+          </p:cNvPr>
+          <p:cNvSpPr txBox="1"/>
+          <p:nvPr/>
+        </p:nvSpPr>
+        <p:spPr>
+          <a:xfrm>
+            <a:off x="3874478" y="5280078"/>
+            <a:ext cx="914400" cy="369332"/>
+          </a:xfrm>
+          <a:prstGeom prst="rect">
+            <a:avLst/>
+          </a:prstGeom>
+          <a:noFill/>
+        </p:spPr>
+        <p:txBody>
+          <a:bodyPr wrap="square" rtlCol="0">
+            <a:spAutoFit/>
+          </a:bodyPr>
+          <a:lstStyle/>
+          <a:p>
+            <a:r>
+              <a:rPr lang="en-US" dirty="0"/>
+              <a:t>http</a:t>
+            </a:r>
+          </a:p>
+        </p:txBody>
+      </p:sp>
+      <p:sp>
+        <p:nvSpPr>
+          <p:cNvPr id="64" name="TextBox 63">
+            <a:extLst>
+              <a:ext uri="{FF2B5EF4-FFF2-40B4-BE49-F238E27FC236}">
+                <a16:creationId xmlns:a16="http://schemas.microsoft.com/office/drawing/2014/main" id="{B7545F55-7BD6-3640-8A9A-0B6C2F63B005}"/>
+              </a:ext>
+            </a:extLst>
+          </p:cNvPr>
+          <p:cNvSpPr txBox="1"/>
+          <p:nvPr/>
+        </p:nvSpPr>
+        <p:spPr>
+          <a:xfrm>
+            <a:off x="7883768" y="5801647"/>
+            <a:ext cx="2086707" cy="830997"/>
+          </a:xfrm>
+          <a:prstGeom prst="rect">
+            <a:avLst/>
+          </a:prstGeom>
+          <a:solidFill>
+            <a:schemeClr val="accent6"/>
+          </a:solidFill>
+        </p:spPr>
+        <p:txBody>
+          <a:bodyPr wrap="square" rtlCol="0">
+            <a:spAutoFit/>
+          </a:bodyPr>
+          <a:lstStyle/>
+          <a:p>
+            <a:pPr algn="ctr"/>
+            <a:r>
+              <a:rPr lang="en-US" sz="2400" dirty="0">
+                <a:solidFill>
+                  <a:schemeClr val="bg1"/>
+                </a:solidFill>
+              </a:rPr>
+              <a:t>Simulation Server</a:t>
+            </a:r>
+          </a:p>
+        </p:txBody>
+      </p:sp>
+      <p:sp>
+        <p:nvSpPr>
+          <p:cNvPr id="65" name="TextBox 64">
+            <a:extLst>
+              <a:ext uri="{FF2B5EF4-FFF2-40B4-BE49-F238E27FC236}">
+                <a16:creationId xmlns:a16="http://schemas.microsoft.com/office/drawing/2014/main" id="{B899D4D9-2329-434F-9F6E-5A2E8DCB56B9}"/>
+              </a:ext>
+            </a:extLst>
+          </p:cNvPr>
+          <p:cNvSpPr txBox="1"/>
+          <p:nvPr/>
+        </p:nvSpPr>
+        <p:spPr>
+          <a:xfrm>
+            <a:off x="7883769" y="4645254"/>
+            <a:ext cx="2086707" cy="400110"/>
+          </a:xfrm>
+          <a:prstGeom prst="rect">
+            <a:avLst/>
+          </a:prstGeom>
+          <a:solidFill>
+            <a:srgbClr val="0070C0"/>
+          </a:solidFill>
+        </p:spPr>
+        <p:txBody>
+          <a:bodyPr wrap="square" rtlCol="0">
+            <a:spAutoFit/>
+          </a:bodyPr>
+          <a:lstStyle/>
+          <a:p>
+            <a:pPr algn="ctr"/>
+            <a:r>
+              <a:rPr lang="en-US" sz="2000" dirty="0">
+                <a:solidFill>
+                  <a:schemeClr val="bg1"/>
+                </a:solidFill>
+              </a:rPr>
+              <a:t>KAR sidecar</a:t>
+            </a:r>
+          </a:p>
+        </p:txBody>
+      </p:sp>
+      <p:cxnSp>
+        <p:nvCxnSpPr>
+          <p:cNvPr id="66" name="Straight Arrow Connector 65">
+            <a:extLst>
+              <a:ext uri="{FF2B5EF4-FFF2-40B4-BE49-F238E27FC236}">
+                <a16:creationId xmlns:a16="http://schemas.microsoft.com/office/drawing/2014/main" id="{43BC4CF8-7D44-3F45-A3EB-84A4EEA3D7D7}"/>
+              </a:ext>
+            </a:extLst>
+          </p:cNvPr>
+          <p:cNvCxnSpPr>
+            <a:cxnSpLocks/>
+            <a:stCxn id="65" idx="2"/>
+          </p:cNvCxnSpPr>
+          <p:nvPr/>
+        </p:nvCxnSpPr>
+        <p:spPr>
+          <a:xfrm>
+            <a:off x="8927123" y="5045364"/>
+            <a:ext cx="0" cy="769540"/>
+          </a:xfrm>
+          <a:prstGeom prst="straightConnector1">
+            <a:avLst/>
+          </a:prstGeom>
+          <a:ln w="38100">
+            <a:headEnd type="triangle"/>
+            <a:tailEnd type="triangle"/>
+          </a:ln>
+        </p:spPr>
+        <p:style>
+          <a:lnRef idx="1">
+            <a:schemeClr val="accent1"/>
+          </a:lnRef>
+          <a:fillRef idx="0">
+            <a:schemeClr val="accent1"/>
+          </a:fillRef>
+          <a:effectRef idx="0">
+            <a:schemeClr val="accent1"/>
+          </a:effectRef>
+          <a:fontRef idx="minor">
+            <a:schemeClr val="tx1"/>
+          </a:fontRef>
+        </p:style>
+      </p:cxnSp>
+      <p:sp>
+        <p:nvSpPr>
+          <p:cNvPr id="67" name="TextBox 66">
+            <a:extLst>
+              <a:ext uri="{FF2B5EF4-FFF2-40B4-BE49-F238E27FC236}">
+                <a16:creationId xmlns:a16="http://schemas.microsoft.com/office/drawing/2014/main" id="{82284179-A414-1947-9072-3D9EA857E2B1}"/>
+              </a:ext>
+            </a:extLst>
+          </p:cNvPr>
+          <p:cNvSpPr txBox="1"/>
+          <p:nvPr/>
+        </p:nvSpPr>
+        <p:spPr>
+          <a:xfrm>
+            <a:off x="8927121" y="5284406"/>
+            <a:ext cx="914400" cy="369332"/>
+          </a:xfrm>
+          <a:prstGeom prst="rect">
+            <a:avLst/>
+          </a:prstGeom>
+          <a:noFill/>
+        </p:spPr>
+        <p:txBody>
+          <a:bodyPr wrap="square" rtlCol="0">
+            <a:spAutoFit/>
+          </a:bodyPr>
+          <a:lstStyle/>
+          <a:p>
+            <a:r>
+              <a:rPr lang="en-US" dirty="0"/>
+              <a:t>http</a:t>
+            </a:r>
+          </a:p>
+        </p:txBody>
+      </p:sp>
+      <p:sp>
+        <p:nvSpPr>
+          <p:cNvPr id="11" name="Slide Number Placeholder 10">
+            <a:extLst>
+              <a:ext uri="{FF2B5EF4-FFF2-40B4-BE49-F238E27FC236}">
+                <a16:creationId xmlns:a16="http://schemas.microsoft.com/office/drawing/2014/main" id="{6D8DB929-A3D6-BE42-AABF-DE04CA8C986F}"/>
+              </a:ext>
+            </a:extLst>
+          </p:cNvPr>
+          <p:cNvSpPr>
+            <a:spLocks noGrp="1"/>
+          </p:cNvSpPr>
+          <p:nvPr>
+            <p:ph type="sldNum" sz="quarter" idx="12"/>
+          </p:nvPr>
+        </p:nvSpPr>
+        <p:spPr/>
+        <p:txBody>
+          <a:bodyPr/>
+          <a:lstStyle/>
+          <a:p>
+            <a:fld id="{FC517010-E647-2249-A958-B3027541DB25}" type="slidenum">
+              <a:rPr lang="en-US" smtClean="0"/>
+              <a:t>4</a:t>
+            </a:fld>
+            <a:endParaRPr lang="en-US"/>
+          </a:p>
+        </p:txBody>
+      </p:sp>
+      <p:cxnSp>
+        <p:nvCxnSpPr>
+          <p:cNvPr id="19" name="Straight Arrow Connector 18">
+            <a:extLst>
+              <a:ext uri="{FF2B5EF4-FFF2-40B4-BE49-F238E27FC236}">
+                <a16:creationId xmlns:a16="http://schemas.microsoft.com/office/drawing/2014/main" id="{753C8C72-441A-E647-BE87-62F81A4278C1}"/>
+              </a:ext>
+            </a:extLst>
+          </p:cNvPr>
+          <p:cNvCxnSpPr>
+            <a:cxnSpLocks/>
+            <a:stCxn id="18" idx="1"/>
+          </p:cNvCxnSpPr>
+          <p:nvPr/>
+        </p:nvCxnSpPr>
+        <p:spPr>
+          <a:xfrm flipH="1">
+            <a:off x="3810001" y="2670361"/>
+            <a:ext cx="1383322" cy="1968433"/>
+          </a:xfrm>
+          <a:prstGeom prst="straightConnector1">
+            <a:avLst/>
+          </a:prstGeom>
+          <a:ln w="38100">
+            <a:headEnd type="triangle"/>
+            <a:tailEnd type="triangle"/>
+          </a:ln>
+        </p:spPr>
+        <p:style>
+          <a:lnRef idx="1">
+            <a:schemeClr val="accent1"/>
+          </a:lnRef>
+          <a:fillRef idx="0">
+            <a:schemeClr val="accent1"/>
+          </a:fillRef>
+          <a:effectRef idx="0">
+            <a:schemeClr val="accent1"/>
+          </a:effectRef>
+          <a:fontRef idx="minor">
+            <a:schemeClr val="tx1"/>
+          </a:fontRef>
+        </p:style>
+      </p:cxnSp>
+      <p:cxnSp>
+        <p:nvCxnSpPr>
+          <p:cNvPr id="21" name="Straight Arrow Connector 20">
+            <a:extLst>
+              <a:ext uri="{FF2B5EF4-FFF2-40B4-BE49-F238E27FC236}">
+                <a16:creationId xmlns:a16="http://schemas.microsoft.com/office/drawing/2014/main" id="{40255263-448B-0D4A-BCA7-1380DFD7EA50}"/>
+              </a:ext>
+            </a:extLst>
+          </p:cNvPr>
+          <p:cNvCxnSpPr>
+            <a:cxnSpLocks/>
+            <a:stCxn id="18" idx="3"/>
+            <a:endCxn id="65" idx="0"/>
+          </p:cNvCxnSpPr>
+          <p:nvPr/>
+        </p:nvCxnSpPr>
+        <p:spPr>
+          <a:xfrm>
+            <a:off x="7883768" y="2670361"/>
+            <a:ext cx="1043355" cy="1974893"/>
+          </a:xfrm>
+          <a:prstGeom prst="straightConnector1">
+            <a:avLst/>
+          </a:prstGeom>
+          <a:ln w="38100">
+            <a:headEnd type="triangle"/>
+            <a:tailEnd type="triangle"/>
+          </a:ln>
+        </p:spPr>
+        <p:style>
+          <a:lnRef idx="1">
+            <a:schemeClr val="accent1"/>
+          </a:lnRef>
+          <a:fillRef idx="0">
+            <a:schemeClr val="accent1"/>
+          </a:fillRef>
+          <a:effectRef idx="0">
+            <a:schemeClr val="accent1"/>
+          </a:effectRef>
+          <a:fontRef idx="minor">
+            <a:schemeClr val="tx1"/>
+          </a:fontRef>
+        </p:style>
+      </p:cxnSp>
+      <p:sp>
+        <p:nvSpPr>
+          <p:cNvPr id="20" name="TextBox 19">
+            <a:extLst>
+              <a:ext uri="{FF2B5EF4-FFF2-40B4-BE49-F238E27FC236}">
+                <a16:creationId xmlns:a16="http://schemas.microsoft.com/office/drawing/2014/main" id="{F1D7638E-80A9-694C-A323-5C54D8D5CF97}"/>
+              </a:ext>
+            </a:extLst>
+          </p:cNvPr>
+          <p:cNvSpPr txBox="1"/>
+          <p:nvPr/>
+        </p:nvSpPr>
+        <p:spPr>
+          <a:xfrm>
+            <a:off x="446634" y="1500628"/>
+            <a:ext cx="2870200" cy="369332"/>
+          </a:xfrm>
+          <a:prstGeom prst="rect">
+            <a:avLst/>
+          </a:prstGeom>
+          <a:noFill/>
+        </p:spPr>
+        <p:txBody>
+          <a:bodyPr wrap="square" rtlCol="0">
+            <a:spAutoFit/>
+          </a:bodyPr>
+          <a:lstStyle/>
+          <a:p>
+            <a:r>
+              <a:rPr lang="en-US" dirty="0"/>
+              <a:t>Developer Laptop</a:t>
+            </a:r>
+          </a:p>
+        </p:txBody>
+      </p:sp>
+      <p:sp>
+        <p:nvSpPr>
+          <p:cNvPr id="26" name="TextBox 25">
+            <a:extLst>
+              <a:ext uri="{FF2B5EF4-FFF2-40B4-BE49-F238E27FC236}">
+                <a16:creationId xmlns:a16="http://schemas.microsoft.com/office/drawing/2014/main" id="{A9FD6E29-C021-2945-95D3-974428694348}"/>
+              </a:ext>
+            </a:extLst>
+          </p:cNvPr>
+          <p:cNvSpPr txBox="1"/>
+          <p:nvPr/>
+        </p:nvSpPr>
+        <p:spPr>
+          <a:xfrm>
+            <a:off x="5337835" y="5814622"/>
+            <a:ext cx="2086707" cy="830997"/>
+          </a:xfrm>
+          <a:prstGeom prst="rect">
+            <a:avLst/>
+          </a:prstGeom>
+          <a:solidFill>
+            <a:schemeClr val="accent6"/>
+          </a:solidFill>
+        </p:spPr>
+        <p:txBody>
+          <a:bodyPr wrap="square" rtlCol="0">
+            <a:spAutoFit/>
+          </a:bodyPr>
+          <a:lstStyle/>
+          <a:p>
+            <a:pPr algn="ctr"/>
+            <a:r>
+              <a:rPr lang="en-US" sz="2400" dirty="0">
+                <a:solidFill>
+                  <a:schemeClr val="bg1"/>
+                </a:solidFill>
+              </a:rPr>
+              <a:t>Simulation Reporting</a:t>
+            </a:r>
+          </a:p>
+        </p:txBody>
+      </p:sp>
+      <p:sp>
+        <p:nvSpPr>
+          <p:cNvPr id="27" name="TextBox 26">
+            <a:extLst>
+              <a:ext uri="{FF2B5EF4-FFF2-40B4-BE49-F238E27FC236}">
+                <a16:creationId xmlns:a16="http://schemas.microsoft.com/office/drawing/2014/main" id="{A3D96B07-66EE-204A-966D-BDA145DBFDBC}"/>
+              </a:ext>
+            </a:extLst>
+          </p:cNvPr>
+          <p:cNvSpPr txBox="1"/>
+          <p:nvPr/>
+        </p:nvSpPr>
+        <p:spPr>
+          <a:xfrm>
+            <a:off x="5337834" y="4658228"/>
+            <a:ext cx="2086707" cy="400110"/>
+          </a:xfrm>
+          <a:prstGeom prst="rect">
+            <a:avLst/>
+          </a:prstGeom>
+          <a:solidFill>
+            <a:srgbClr val="0070C0"/>
+          </a:solidFill>
+        </p:spPr>
+        <p:txBody>
+          <a:bodyPr wrap="square" rtlCol="0">
+            <a:spAutoFit/>
+          </a:bodyPr>
+          <a:lstStyle/>
+          <a:p>
+            <a:pPr algn="ctr"/>
+            <a:r>
+              <a:rPr lang="en-US" sz="2000" dirty="0">
+                <a:solidFill>
+                  <a:schemeClr val="bg1"/>
+                </a:solidFill>
+              </a:rPr>
+              <a:t>KAR sidecar</a:t>
+            </a:r>
+          </a:p>
+        </p:txBody>
+      </p:sp>
+      <p:cxnSp>
+        <p:nvCxnSpPr>
+          <p:cNvPr id="28" name="Straight Arrow Connector 27">
+            <a:extLst>
+              <a:ext uri="{FF2B5EF4-FFF2-40B4-BE49-F238E27FC236}">
+                <a16:creationId xmlns:a16="http://schemas.microsoft.com/office/drawing/2014/main" id="{E8046B74-EC9E-4042-A683-D0FA16281A7E}"/>
+              </a:ext>
+            </a:extLst>
+          </p:cNvPr>
+          <p:cNvCxnSpPr>
+            <a:cxnSpLocks/>
+            <a:stCxn id="27" idx="2"/>
+            <a:endCxn id="26" idx="0"/>
+          </p:cNvCxnSpPr>
+          <p:nvPr/>
+        </p:nvCxnSpPr>
+        <p:spPr>
+          <a:xfrm>
+            <a:off x="6381188" y="5058338"/>
+            <a:ext cx="1" cy="756284"/>
+          </a:xfrm>
+          <a:prstGeom prst="straightConnector1">
+            <a:avLst/>
+          </a:prstGeom>
+          <a:ln w="38100">
+            <a:headEnd type="triangle"/>
+            <a:tailEnd type="triangle"/>
+          </a:ln>
+        </p:spPr>
+        <p:style>
+          <a:lnRef idx="1">
+            <a:schemeClr val="accent1"/>
+          </a:lnRef>
+          <a:fillRef idx="0">
+            <a:schemeClr val="accent1"/>
+          </a:fillRef>
+          <a:effectRef idx="0">
+            <a:schemeClr val="accent1"/>
+          </a:effectRef>
+          <a:fontRef idx="minor">
+            <a:schemeClr val="tx1"/>
+          </a:fontRef>
+        </p:style>
+      </p:cxnSp>
+      <p:sp>
+        <p:nvSpPr>
+          <p:cNvPr id="29" name="TextBox 28">
+            <a:extLst>
+              <a:ext uri="{FF2B5EF4-FFF2-40B4-BE49-F238E27FC236}">
+                <a16:creationId xmlns:a16="http://schemas.microsoft.com/office/drawing/2014/main" id="{50A6001B-C1B6-6646-B49A-17E6F2D4C580}"/>
+              </a:ext>
+            </a:extLst>
+          </p:cNvPr>
+          <p:cNvSpPr txBox="1"/>
+          <p:nvPr/>
+        </p:nvSpPr>
+        <p:spPr>
+          <a:xfrm>
+            <a:off x="6381187" y="5295847"/>
+            <a:ext cx="914400" cy="369332"/>
+          </a:xfrm>
+          <a:prstGeom prst="rect">
+            <a:avLst/>
+          </a:prstGeom>
+          <a:noFill/>
+        </p:spPr>
+        <p:txBody>
+          <a:bodyPr wrap="square" rtlCol="0">
+            <a:spAutoFit/>
+          </a:bodyPr>
+          <a:lstStyle/>
+          <a:p>
+            <a:r>
+              <a:rPr lang="en-US" dirty="0"/>
+              <a:t>http</a:t>
+            </a:r>
+          </a:p>
+        </p:txBody>
+      </p:sp>
+      <p:cxnSp>
+        <p:nvCxnSpPr>
+          <p:cNvPr id="30" name="Straight Arrow Connector 29">
+            <a:extLst>
+              <a:ext uri="{FF2B5EF4-FFF2-40B4-BE49-F238E27FC236}">
+                <a16:creationId xmlns:a16="http://schemas.microsoft.com/office/drawing/2014/main" id="{038CA51B-0F89-3E4D-A4A7-B9250AB7AB83}"/>
+              </a:ext>
+            </a:extLst>
+          </p:cNvPr>
+          <p:cNvCxnSpPr>
+            <a:cxnSpLocks/>
+          </p:cNvCxnSpPr>
+          <p:nvPr/>
+        </p:nvCxnSpPr>
+        <p:spPr>
+          <a:xfrm>
+            <a:off x="6436339" y="3197417"/>
+            <a:ext cx="58245" cy="1441377"/>
+          </a:xfrm>
+          <a:prstGeom prst="straightConnector1">
+            <a:avLst/>
+          </a:prstGeom>
+          <a:ln w="38100">
+            <a:headEnd type="triangle"/>
+            <a:tailEnd type="triangle"/>
+          </a:ln>
+        </p:spPr>
+        <p:style>
+          <a:lnRef idx="1">
+            <a:schemeClr val="accent1"/>
+          </a:lnRef>
+          <a:fillRef idx="0">
+            <a:schemeClr val="accent1"/>
+          </a:fillRef>
+          <a:effectRef idx="0">
+            <a:schemeClr val="accent1"/>
+          </a:effectRef>
+          <a:fontRef idx="minor">
+            <a:schemeClr val="tx1"/>
+          </a:fontRef>
+        </p:style>
+      </p:cxnSp>
+      <p:sp>
+        <p:nvSpPr>
+          <p:cNvPr id="32" name="TextBox 31">
+            <a:extLst>
+              <a:ext uri="{FF2B5EF4-FFF2-40B4-BE49-F238E27FC236}">
+                <a16:creationId xmlns:a16="http://schemas.microsoft.com/office/drawing/2014/main" id="{1446E38A-61A7-2E45-9A39-1802F5BBC703}"/>
+              </a:ext>
+            </a:extLst>
+          </p:cNvPr>
+          <p:cNvSpPr txBox="1"/>
+          <p:nvPr/>
+        </p:nvSpPr>
+        <p:spPr>
+          <a:xfrm>
+            <a:off x="580295" y="2254861"/>
+            <a:ext cx="2086707" cy="461665"/>
+          </a:xfrm>
+          <a:prstGeom prst="rect">
+            <a:avLst/>
+          </a:prstGeom>
+          <a:solidFill>
+            <a:srgbClr val="7030A0"/>
+          </a:solidFill>
+        </p:spPr>
+        <p:txBody>
+          <a:bodyPr wrap="square" rtlCol="0">
+            <a:spAutoFit/>
+          </a:bodyPr>
+          <a:lstStyle/>
+          <a:p>
+            <a:pPr algn="ctr"/>
+            <a:r>
+              <a:rPr lang="en-US" sz="2400" dirty="0">
+                <a:solidFill>
+                  <a:schemeClr val="bg1"/>
+                </a:solidFill>
+              </a:rPr>
+              <a:t>Slack Client</a:t>
+            </a:r>
+          </a:p>
+        </p:txBody>
+      </p:sp>
+      <p:cxnSp>
+        <p:nvCxnSpPr>
+          <p:cNvPr id="33" name="Straight Connector 32">
+            <a:extLst>
+              <a:ext uri="{FF2B5EF4-FFF2-40B4-BE49-F238E27FC236}">
+                <a16:creationId xmlns:a16="http://schemas.microsoft.com/office/drawing/2014/main" id="{9CB6FE69-4947-8543-A8CB-AA62B98590E5}"/>
+              </a:ext>
+            </a:extLst>
+          </p:cNvPr>
+          <p:cNvCxnSpPr/>
+          <p:nvPr/>
+        </p:nvCxnSpPr>
+        <p:spPr>
+          <a:xfrm>
+            <a:off x="233858" y="1327807"/>
+            <a:ext cx="11361682" cy="0"/>
+          </a:xfrm>
+          <a:prstGeom prst="line">
+            <a:avLst/>
+          </a:prstGeom>
+          <a:ln w="25400">
+            <a:prstDash val="dash"/>
+          </a:ln>
+        </p:spPr>
+        <p:style>
+          <a:lnRef idx="1">
+            <a:schemeClr val="dk1"/>
+          </a:lnRef>
+          <a:fillRef idx="0">
+            <a:schemeClr val="dk1"/>
+          </a:fillRef>
+          <a:effectRef idx="0">
+            <a:schemeClr val="dk1"/>
+          </a:effectRef>
+          <a:fontRef idx="minor">
+            <a:schemeClr val="tx1"/>
+          </a:fontRef>
+        </p:style>
+      </p:cxnSp>
+      <p:sp>
+        <p:nvSpPr>
+          <p:cNvPr id="34" name="TextBox 33">
+            <a:extLst>
+              <a:ext uri="{FF2B5EF4-FFF2-40B4-BE49-F238E27FC236}">
+                <a16:creationId xmlns:a16="http://schemas.microsoft.com/office/drawing/2014/main" id="{4D70B105-6138-0E4D-BB7F-F1D2029CA39B}"/>
+              </a:ext>
+            </a:extLst>
+          </p:cNvPr>
+          <p:cNvSpPr txBox="1"/>
+          <p:nvPr/>
+        </p:nvSpPr>
+        <p:spPr>
+          <a:xfrm>
+            <a:off x="5451231" y="219267"/>
+            <a:ext cx="2086707" cy="830997"/>
+          </a:xfrm>
+          <a:prstGeom prst="rect">
+            <a:avLst/>
+          </a:prstGeom>
+          <a:solidFill>
+            <a:srgbClr val="7030A0"/>
+          </a:solidFill>
+        </p:spPr>
+        <p:txBody>
+          <a:bodyPr wrap="square" rtlCol="0">
+            <a:spAutoFit/>
+          </a:bodyPr>
+          <a:lstStyle/>
+          <a:p>
+            <a:pPr algn="ctr"/>
+            <a:r>
+              <a:rPr lang="en-US" sz="2400" dirty="0" err="1">
+                <a:solidFill>
+                  <a:schemeClr val="bg1"/>
+                </a:solidFill>
+              </a:rPr>
+              <a:t>CloudEvents</a:t>
+            </a:r>
+            <a:r>
+              <a:rPr lang="en-US" sz="2400" dirty="0">
+                <a:solidFill>
+                  <a:schemeClr val="bg1"/>
+                </a:solidFill>
+              </a:rPr>
+              <a:t> to Slack Processer</a:t>
+            </a:r>
+          </a:p>
+        </p:txBody>
+      </p:sp>
+      <p:cxnSp>
+        <p:nvCxnSpPr>
+          <p:cNvPr id="35" name="Straight Arrow Connector 34">
+            <a:extLst>
+              <a:ext uri="{FF2B5EF4-FFF2-40B4-BE49-F238E27FC236}">
+                <a16:creationId xmlns:a16="http://schemas.microsoft.com/office/drawing/2014/main" id="{E04C21D1-D6F8-7641-8EE9-9BD9B02CDFA9}"/>
+              </a:ext>
+            </a:extLst>
+          </p:cNvPr>
+          <p:cNvCxnSpPr>
+            <a:cxnSpLocks/>
+          </p:cNvCxnSpPr>
+          <p:nvPr/>
+        </p:nvCxnSpPr>
+        <p:spPr>
+          <a:xfrm>
+            <a:off x="6501070" y="1072478"/>
+            <a:ext cx="0" cy="1082067"/>
+          </a:xfrm>
+          <a:prstGeom prst="straightConnector1">
+            <a:avLst/>
+          </a:prstGeom>
+          <a:ln w="38100">
+            <a:headEnd type="triangle"/>
+            <a:tailEnd type="triangle"/>
+          </a:ln>
+        </p:spPr>
+        <p:style>
+          <a:lnRef idx="1">
+            <a:schemeClr val="accent1"/>
+          </a:lnRef>
+          <a:fillRef idx="0">
+            <a:schemeClr val="accent1"/>
+          </a:fillRef>
+          <a:effectRef idx="0">
+            <a:schemeClr val="accent1"/>
+          </a:effectRef>
+          <a:fontRef idx="minor">
+            <a:schemeClr val="tx1"/>
+          </a:fontRef>
+        </p:style>
+      </p:cxnSp>
+      <p:cxnSp>
+        <p:nvCxnSpPr>
+          <p:cNvPr id="37" name="Straight Arrow Connector 36">
+            <a:extLst>
+              <a:ext uri="{FF2B5EF4-FFF2-40B4-BE49-F238E27FC236}">
+                <a16:creationId xmlns:a16="http://schemas.microsoft.com/office/drawing/2014/main" id="{0A24BA2A-4A22-5440-92E7-DB7508487FC1}"/>
+              </a:ext>
+            </a:extLst>
+          </p:cNvPr>
+          <p:cNvCxnSpPr>
+            <a:cxnSpLocks/>
+            <a:stCxn id="34" idx="1"/>
+          </p:cNvCxnSpPr>
+          <p:nvPr/>
+        </p:nvCxnSpPr>
+        <p:spPr>
+          <a:xfrm flipH="1">
+            <a:off x="1629510" y="634766"/>
+            <a:ext cx="3821721" cy="1575557"/>
+          </a:xfrm>
+          <a:prstGeom prst="straightConnector1">
+            <a:avLst/>
+          </a:prstGeom>
+          <a:ln w="38100">
+            <a:headEnd type="none"/>
+            <a:tailEnd type="triangle"/>
+          </a:ln>
+        </p:spPr>
+        <p:style>
+          <a:lnRef idx="1">
+            <a:schemeClr val="accent1"/>
+          </a:lnRef>
+          <a:fillRef idx="0">
+            <a:schemeClr val="accent1"/>
+          </a:fillRef>
+          <a:effectRef idx="0">
+            <a:schemeClr val="accent1"/>
+          </a:effectRef>
+          <a:fontRef idx="minor">
+            <a:schemeClr val="tx1"/>
+          </a:fontRef>
+        </p:style>
+      </p:cxnSp>
+      <p:sp>
+        <p:nvSpPr>
+          <p:cNvPr id="40" name="TextBox 39">
+            <a:extLst>
+              <a:ext uri="{FF2B5EF4-FFF2-40B4-BE49-F238E27FC236}">
+                <a16:creationId xmlns:a16="http://schemas.microsoft.com/office/drawing/2014/main" id="{8D6815EA-7D0C-6046-A087-D3F94A5A1ECF}"/>
+              </a:ext>
+            </a:extLst>
+          </p:cNvPr>
+          <p:cNvSpPr txBox="1"/>
+          <p:nvPr/>
+        </p:nvSpPr>
+        <p:spPr>
+          <a:xfrm>
+            <a:off x="233858" y="323990"/>
+            <a:ext cx="2154621" cy="646331"/>
+          </a:xfrm>
+          <a:prstGeom prst="rect">
+            <a:avLst/>
+          </a:prstGeom>
+          <a:noFill/>
+        </p:spPr>
+        <p:txBody>
+          <a:bodyPr wrap="square" rtlCol="0">
+            <a:spAutoFit/>
+          </a:bodyPr>
+          <a:lstStyle/>
+          <a:p>
+            <a:r>
+              <a:rPr lang="en-US" dirty="0"/>
+              <a:t>IBM Public Cloud Managed Services</a:t>
+            </a:r>
+          </a:p>
+        </p:txBody>
+      </p:sp>
+    </p:spTree>
+    <p:extLst>
+      <p:ext uri="{BB962C8B-B14F-4D97-AF65-F5344CB8AC3E}">
+        <p14:creationId xmlns:p14="http://schemas.microsoft.com/office/powerpoint/2010/main" val="2880038832"/>
+      </p:ext>
+    </p:extLst>
+  </p:cSld>
+  <p:clrMapOvr>
+    <a:masterClrMapping/>
+  </p:clrMapOvr>
+</p:sld>
+</file>
+
+<file path=ppt/slides/slide5.xml><?xml version="1.0" encoding="utf-8"?>
+<p:sld xmlns:a="http://schemas.openxmlformats.org/drawingml/2006/main" xmlns:r="http://schemas.openxmlformats.org/officeDocument/2006/relationships" xmlns:p="http://schemas.openxmlformats.org/presentationml/2006/main">
+  <p:cSld>
+    <p:spTree>
+      <p:nvGrpSpPr>
+        <p:cNvPr id="1" name=""/>
+        <p:cNvGrpSpPr/>
+        <p:nvPr/>
+      </p:nvGrpSpPr>
+      <p:grpSpPr>
+        <a:xfrm>
+          <a:off x="0" y="0"/>
+          <a:ext cx="0" cy="0"/>
+          <a:chOff x="0" y="0"/>
+          <a:chExt cx="0" cy="0"/>
+        </a:xfrm>
+      </p:grpSpPr>
+      <p:sp>
+        <p:nvSpPr>
+          <p:cNvPr id="18" name="Rounded Rectangle 17">
+            <a:extLst>
+              <a:ext uri="{FF2B5EF4-FFF2-40B4-BE49-F238E27FC236}">
+                <a16:creationId xmlns:a16="http://schemas.microsoft.com/office/drawing/2014/main" id="{D4E854A3-70BB-D644-B0E2-8D12F5D60607}"/>
+              </a:ext>
+            </a:extLst>
+          </p:cNvPr>
+          <p:cNvSpPr/>
+          <p:nvPr/>
+        </p:nvSpPr>
+        <p:spPr>
+          <a:xfrm>
+            <a:off x="6330149" y="395183"/>
+            <a:ext cx="2690445" cy="1031631"/>
+          </a:xfrm>
+          <a:prstGeom prst="roundRect">
+            <a:avLst/>
+          </a:prstGeom>
+        </p:spPr>
+        <p:style>
+          <a:lnRef idx="2">
+            <a:schemeClr val="accent1">
+              <a:shade val="50000"/>
+            </a:schemeClr>
+          </a:lnRef>
+          <a:fillRef idx="1">
+            <a:schemeClr val="accent1"/>
+          </a:fillRef>
+          <a:effectRef idx="0">
+            <a:schemeClr val="accent1"/>
+          </a:effectRef>
+          <a:fontRef idx="minor">
+            <a:schemeClr val="lt1"/>
+          </a:fontRef>
+        </p:style>
+        <p:txBody>
+          <a:bodyPr rtlCol="0" anchor="ctr"/>
+          <a:lstStyle/>
+          <a:p>
+            <a:pPr algn="ctr"/>
+            <a:r>
+              <a:rPr lang="en-US" sz="2400" dirty="0"/>
+              <a:t>KAR Service Mesh</a:t>
+            </a:r>
+          </a:p>
+        </p:txBody>
+      </p:sp>
+      <p:sp>
+        <p:nvSpPr>
+          <p:cNvPr id="50" name="TextBox 49">
+            <a:extLst>
+              <a:ext uri="{FF2B5EF4-FFF2-40B4-BE49-F238E27FC236}">
+                <a16:creationId xmlns:a16="http://schemas.microsoft.com/office/drawing/2014/main" id="{3DCCF9A3-AA0E-194C-AC93-432CFE41AFC9}"/>
+              </a:ext>
+            </a:extLst>
+          </p:cNvPr>
+          <p:cNvSpPr txBox="1"/>
+          <p:nvPr/>
+        </p:nvSpPr>
+        <p:spPr>
+          <a:xfrm>
+            <a:off x="976926" y="5798853"/>
+            <a:ext cx="2086707" cy="830997"/>
+          </a:xfrm>
+          <a:prstGeom prst="rect">
+            <a:avLst/>
+          </a:prstGeom>
+          <a:solidFill>
+            <a:schemeClr val="accent6"/>
+          </a:solidFill>
+        </p:spPr>
+        <p:txBody>
+          <a:bodyPr wrap="square" rtlCol="0">
+            <a:spAutoFit/>
+          </a:bodyPr>
+          <a:lstStyle/>
+          <a:p>
+            <a:pPr algn="ctr"/>
+            <a:r>
+              <a:rPr lang="en-US" sz="2400" dirty="0">
+                <a:solidFill>
+                  <a:schemeClr val="bg1"/>
+                </a:solidFill>
+              </a:rPr>
+              <a:t>Simulation Control</a:t>
+            </a:r>
+          </a:p>
+        </p:txBody>
+      </p:sp>
+      <p:sp>
+        <p:nvSpPr>
+          <p:cNvPr id="51" name="TextBox 50">
+            <a:extLst>
+              <a:ext uri="{FF2B5EF4-FFF2-40B4-BE49-F238E27FC236}">
+                <a16:creationId xmlns:a16="http://schemas.microsoft.com/office/drawing/2014/main" id="{7013DF50-956D-C244-BAAC-E043039CF135}"/>
+              </a:ext>
+            </a:extLst>
+          </p:cNvPr>
+          <p:cNvSpPr txBox="1"/>
+          <p:nvPr/>
+        </p:nvSpPr>
+        <p:spPr>
+          <a:xfrm>
+            <a:off x="976925" y="4642459"/>
+            <a:ext cx="2086707" cy="400110"/>
+          </a:xfrm>
+          <a:prstGeom prst="rect">
+            <a:avLst/>
+          </a:prstGeom>
+          <a:solidFill>
+            <a:srgbClr val="0070C0"/>
+          </a:solidFill>
+        </p:spPr>
+        <p:txBody>
+          <a:bodyPr wrap="square" rtlCol="0">
+            <a:spAutoFit/>
+          </a:bodyPr>
+          <a:lstStyle/>
+          <a:p>
+            <a:pPr algn="ctr"/>
+            <a:r>
+              <a:rPr lang="en-US" sz="2000" dirty="0">
+                <a:solidFill>
+                  <a:schemeClr val="bg1"/>
+                </a:solidFill>
+              </a:rPr>
+              <a:t>KAR sidecar</a:t>
+            </a:r>
+          </a:p>
+        </p:txBody>
+      </p:sp>
+      <p:cxnSp>
+        <p:nvCxnSpPr>
+          <p:cNvPr id="52" name="Straight Arrow Connector 51">
+            <a:extLst>
+              <a:ext uri="{FF2B5EF4-FFF2-40B4-BE49-F238E27FC236}">
+                <a16:creationId xmlns:a16="http://schemas.microsoft.com/office/drawing/2014/main" id="{1ADC2670-884D-D24D-B16C-081AA05054A9}"/>
+              </a:ext>
+            </a:extLst>
+          </p:cNvPr>
+          <p:cNvCxnSpPr>
+            <a:cxnSpLocks/>
+            <a:stCxn id="51" idx="2"/>
+            <a:endCxn id="50" idx="0"/>
+          </p:cNvCxnSpPr>
+          <p:nvPr/>
+        </p:nvCxnSpPr>
+        <p:spPr>
+          <a:xfrm>
+            <a:off x="2020279" y="5042569"/>
+            <a:ext cx="1" cy="756284"/>
+          </a:xfrm>
+          <a:prstGeom prst="straightConnector1">
+            <a:avLst/>
+          </a:prstGeom>
+          <a:ln w="38100">
+            <a:headEnd type="triangle"/>
+            <a:tailEnd type="triangle"/>
+          </a:ln>
+        </p:spPr>
+        <p:style>
+          <a:lnRef idx="1">
+            <a:schemeClr val="accent1"/>
+          </a:lnRef>
+          <a:fillRef idx="0">
+            <a:schemeClr val="accent1"/>
+          </a:fillRef>
+          <a:effectRef idx="0">
+            <a:schemeClr val="accent1"/>
+          </a:effectRef>
+          <a:fontRef idx="minor">
+            <a:schemeClr val="tx1"/>
+          </a:fontRef>
+        </p:style>
+      </p:cxnSp>
+      <p:sp>
+        <p:nvSpPr>
+          <p:cNvPr id="53" name="TextBox 52">
+            <a:extLst>
+              <a:ext uri="{FF2B5EF4-FFF2-40B4-BE49-F238E27FC236}">
+                <a16:creationId xmlns:a16="http://schemas.microsoft.com/office/drawing/2014/main" id="{0D06758F-3BDA-8C4E-8F31-E9EE9C084D19}"/>
+              </a:ext>
+            </a:extLst>
+          </p:cNvPr>
+          <p:cNvSpPr txBox="1"/>
+          <p:nvPr/>
+        </p:nvSpPr>
+        <p:spPr>
+          <a:xfrm>
+            <a:off x="2020278" y="5280078"/>
+            <a:ext cx="914400" cy="369332"/>
+          </a:xfrm>
+          <a:prstGeom prst="rect">
+            <a:avLst/>
+          </a:prstGeom>
+          <a:noFill/>
+        </p:spPr>
+        <p:txBody>
+          <a:bodyPr wrap="square" rtlCol="0">
+            <a:spAutoFit/>
+          </a:bodyPr>
+          <a:lstStyle/>
+          <a:p>
+            <a:r>
+              <a:rPr lang="en-US" dirty="0"/>
+              <a:t>http</a:t>
+            </a:r>
+          </a:p>
+        </p:txBody>
+      </p:sp>
+      <p:grpSp>
+        <p:nvGrpSpPr>
+          <p:cNvPr id="14" name="Group 13">
+            <a:extLst>
+              <a:ext uri="{FF2B5EF4-FFF2-40B4-BE49-F238E27FC236}">
+                <a16:creationId xmlns:a16="http://schemas.microsoft.com/office/drawing/2014/main" id="{011B43A1-482B-A441-8F28-B5BDEBE83468}"/>
+              </a:ext>
+            </a:extLst>
+          </p:cNvPr>
+          <p:cNvGrpSpPr/>
+          <p:nvPr/>
+        </p:nvGrpSpPr>
+        <p:grpSpPr>
+          <a:xfrm>
+            <a:off x="8035557" y="3872017"/>
+            <a:ext cx="2743196" cy="2590800"/>
+            <a:chOff x="7403123" y="2209231"/>
+            <a:chExt cx="2743196" cy="2590800"/>
+          </a:xfrm>
+        </p:grpSpPr>
+        <p:sp>
+          <p:nvSpPr>
+            <p:cNvPr id="47" name="Rectangle 46">
+              <a:extLst>
+                <a:ext uri="{FF2B5EF4-FFF2-40B4-BE49-F238E27FC236}">
+                  <a16:creationId xmlns:a16="http://schemas.microsoft.com/office/drawing/2014/main" id="{22C4CFCE-81CD-CD4C-B7F4-BD70744098CE}"/>
+                </a:ext>
+              </a:extLst>
+            </p:cNvPr>
+            <p:cNvSpPr/>
+            <p:nvPr/>
+          </p:nvSpPr>
+          <p:spPr>
+            <a:xfrm>
+              <a:off x="7403123" y="2209231"/>
+              <a:ext cx="2743196" cy="2590800"/>
+            </a:xfrm>
+            <a:prstGeom prst="rect">
+              <a:avLst/>
+            </a:prstGeom>
+            <a:solidFill>
+              <a:schemeClr val="accent2">
+                <a:lumMod val="40000"/>
+                <a:lumOff val="60000"/>
+              </a:schemeClr>
+            </a:solidFill>
+          </p:spPr>
+          <p:style>
+            <a:lnRef idx="2">
+              <a:schemeClr val="accent1">
+                <a:shade val="50000"/>
+              </a:schemeClr>
+            </a:lnRef>
+            <a:fillRef idx="1">
+              <a:schemeClr val="accent1"/>
+            </a:fillRef>
+            <a:effectRef idx="0">
+              <a:schemeClr val="accent1"/>
+            </a:effectRef>
+            <a:fontRef idx="minor">
+              <a:schemeClr val="lt1"/>
+            </a:fontRef>
+          </p:style>
+          <p:txBody>
+            <a:bodyPr rtlCol="0" anchor="ctr"/>
+            <a:lstStyle/>
+            <a:p>
+              <a:r>
+                <a:rPr lang="en-US" dirty="0">
+                  <a:solidFill>
+                    <a:schemeClr val="tx1"/>
+                  </a:solidFill>
+                </a:rPr>
+                <a:t>pod</a:t>
+              </a:r>
+            </a:p>
+            <a:p>
+              <a:pPr algn="ctr"/>
+              <a:endParaRPr lang="en-US" dirty="0">
+                <a:solidFill>
+                  <a:schemeClr val="tx1"/>
+                </a:solidFill>
+              </a:endParaRPr>
+            </a:p>
+            <a:p>
+              <a:pPr algn="ctr"/>
+              <a:endParaRPr lang="en-US" dirty="0">
+                <a:solidFill>
+                  <a:schemeClr val="tx1"/>
+                </a:solidFill>
+              </a:endParaRPr>
+            </a:p>
+            <a:p>
+              <a:pPr algn="ctr"/>
+              <a:endParaRPr lang="en-US" dirty="0">
+                <a:solidFill>
+                  <a:schemeClr val="tx1"/>
+                </a:solidFill>
+              </a:endParaRPr>
+            </a:p>
+            <a:p>
+              <a:pPr algn="ctr"/>
+              <a:endParaRPr lang="en-US" dirty="0">
+                <a:solidFill>
+                  <a:schemeClr val="tx1"/>
+                </a:solidFill>
+              </a:endParaRPr>
+            </a:p>
+            <a:p>
+              <a:pPr algn="ctr"/>
+              <a:endParaRPr lang="en-US" dirty="0">
+                <a:solidFill>
+                  <a:schemeClr val="tx1"/>
+                </a:solidFill>
+              </a:endParaRPr>
+            </a:p>
+            <a:p>
+              <a:pPr algn="ctr"/>
+              <a:endParaRPr lang="en-US" dirty="0">
+                <a:solidFill>
+                  <a:schemeClr val="tx1"/>
+                </a:solidFill>
+              </a:endParaRPr>
+            </a:p>
+            <a:p>
+              <a:pPr algn="ctr"/>
+              <a:endParaRPr lang="en-US" dirty="0">
+                <a:solidFill>
+                  <a:schemeClr val="tx1"/>
+                </a:solidFill>
+              </a:endParaRPr>
+            </a:p>
+            <a:p>
+              <a:pPr algn="ctr"/>
+              <a:endParaRPr lang="en-US" dirty="0">
+                <a:solidFill>
+                  <a:schemeClr val="tx1"/>
+                </a:solidFill>
+              </a:endParaRPr>
+            </a:p>
+          </p:txBody>
+        </p:sp>
+        <p:sp>
+          <p:nvSpPr>
+            <p:cNvPr id="64" name="TextBox 63">
+              <a:extLst>
+                <a:ext uri="{FF2B5EF4-FFF2-40B4-BE49-F238E27FC236}">
+                  <a16:creationId xmlns:a16="http://schemas.microsoft.com/office/drawing/2014/main" id="{B7545F55-7BD6-3640-8A9A-0B6C2F63B005}"/>
+                </a:ext>
+              </a:extLst>
+            </p:cNvPr>
+            <p:cNvSpPr txBox="1"/>
+            <p:nvPr/>
+          </p:nvSpPr>
+          <p:spPr>
+            <a:xfrm>
+              <a:off x="7723461" y="3740566"/>
+              <a:ext cx="2086707" cy="830997"/>
+            </a:xfrm>
+            <a:prstGeom prst="rect">
+              <a:avLst/>
+            </a:prstGeom>
+            <a:solidFill>
+              <a:schemeClr val="accent6"/>
+            </a:solidFill>
+          </p:spPr>
+          <p:txBody>
+            <a:bodyPr wrap="square" rtlCol="0">
+              <a:spAutoFit/>
+            </a:bodyPr>
+            <a:lstStyle/>
+            <a:p>
+              <a:pPr algn="ctr"/>
+              <a:r>
+                <a:rPr lang="en-US" sz="2400" dirty="0">
+                  <a:solidFill>
+                    <a:schemeClr val="bg1"/>
+                  </a:solidFill>
+                </a:rPr>
+                <a:t>Simulation Server</a:t>
+              </a:r>
+            </a:p>
+          </p:txBody>
+        </p:sp>
+        <p:sp>
+          <p:nvSpPr>
+            <p:cNvPr id="65" name="TextBox 64">
+              <a:extLst>
+                <a:ext uri="{FF2B5EF4-FFF2-40B4-BE49-F238E27FC236}">
+                  <a16:creationId xmlns:a16="http://schemas.microsoft.com/office/drawing/2014/main" id="{B899D4D9-2329-434F-9F6E-5A2E8DCB56B9}"/>
+                </a:ext>
+              </a:extLst>
+            </p:cNvPr>
+            <p:cNvSpPr txBox="1"/>
+            <p:nvPr/>
+          </p:nvSpPr>
+          <p:spPr>
+            <a:xfrm>
+              <a:off x="7723462" y="2584173"/>
+              <a:ext cx="2086707" cy="400110"/>
+            </a:xfrm>
+            <a:prstGeom prst="rect">
+              <a:avLst/>
+            </a:prstGeom>
+            <a:solidFill>
+              <a:srgbClr val="0070C0"/>
+            </a:solidFill>
+          </p:spPr>
+          <p:txBody>
+            <a:bodyPr wrap="square" rtlCol="0">
+              <a:spAutoFit/>
+            </a:bodyPr>
+            <a:lstStyle/>
+            <a:p>
+              <a:pPr algn="ctr"/>
+              <a:r>
+                <a:rPr lang="en-US" sz="2000" dirty="0">
+                  <a:solidFill>
+                    <a:schemeClr val="bg1"/>
+                  </a:solidFill>
+                </a:rPr>
+                <a:t>KAR sidecar</a:t>
+              </a:r>
+            </a:p>
+          </p:txBody>
+        </p:sp>
+        <p:cxnSp>
+          <p:nvCxnSpPr>
+            <p:cNvPr id="66" name="Straight Arrow Connector 65">
+              <a:extLst>
+                <a:ext uri="{FF2B5EF4-FFF2-40B4-BE49-F238E27FC236}">
+                  <a16:creationId xmlns:a16="http://schemas.microsoft.com/office/drawing/2014/main" id="{43BC4CF8-7D44-3F45-A3EB-84A4EEA3D7D7}"/>
+                </a:ext>
+              </a:extLst>
+            </p:cNvPr>
+            <p:cNvCxnSpPr>
+              <a:cxnSpLocks/>
+              <a:stCxn id="65" idx="2"/>
+            </p:cNvCxnSpPr>
+            <p:nvPr/>
+          </p:nvCxnSpPr>
+          <p:spPr>
+            <a:xfrm>
+              <a:off x="8766816" y="2984283"/>
+              <a:ext cx="0" cy="769540"/>
+            </a:xfrm>
+            <a:prstGeom prst="straightConnector1">
+              <a:avLst/>
+            </a:prstGeom>
+            <a:ln w="38100">
+              <a:headEnd type="triangle"/>
+              <a:tailEnd type="triangle"/>
+            </a:ln>
+          </p:spPr>
+          <p:style>
+            <a:lnRef idx="1">
+              <a:schemeClr val="accent1"/>
+            </a:lnRef>
+            <a:fillRef idx="0">
+              <a:schemeClr val="accent1"/>
+            </a:fillRef>
+            <a:effectRef idx="0">
+              <a:schemeClr val="accent1"/>
+            </a:effectRef>
+            <a:fontRef idx="minor">
+              <a:schemeClr val="tx1"/>
+            </a:fontRef>
+          </p:style>
+        </p:cxnSp>
+        <p:sp>
+          <p:nvSpPr>
+            <p:cNvPr id="67" name="TextBox 66">
+              <a:extLst>
+                <a:ext uri="{FF2B5EF4-FFF2-40B4-BE49-F238E27FC236}">
+                  <a16:creationId xmlns:a16="http://schemas.microsoft.com/office/drawing/2014/main" id="{82284179-A414-1947-9072-3D9EA857E2B1}"/>
+                </a:ext>
+              </a:extLst>
+            </p:cNvPr>
+            <p:cNvSpPr txBox="1"/>
+            <p:nvPr/>
+          </p:nvSpPr>
+          <p:spPr>
+            <a:xfrm>
+              <a:off x="8766814" y="3223325"/>
+              <a:ext cx="914400" cy="369332"/>
+            </a:xfrm>
+            <a:prstGeom prst="rect">
+              <a:avLst/>
+            </a:prstGeom>
+            <a:noFill/>
+          </p:spPr>
+          <p:txBody>
+            <a:bodyPr wrap="square" rtlCol="0">
+              <a:spAutoFit/>
+            </a:bodyPr>
+            <a:lstStyle/>
+            <a:p>
+              <a:r>
+                <a:rPr lang="en-US" dirty="0"/>
+                <a:t>http</a:t>
+              </a:r>
+            </a:p>
+          </p:txBody>
+        </p:sp>
+      </p:grpSp>
+      <p:cxnSp>
+        <p:nvCxnSpPr>
+          <p:cNvPr id="19" name="Straight Arrow Connector 18">
+            <a:extLst>
+              <a:ext uri="{FF2B5EF4-FFF2-40B4-BE49-F238E27FC236}">
+                <a16:creationId xmlns:a16="http://schemas.microsoft.com/office/drawing/2014/main" id="{753C8C72-441A-E647-BE87-62F81A4278C1}"/>
+              </a:ext>
+            </a:extLst>
+          </p:cNvPr>
+          <p:cNvCxnSpPr>
+            <a:cxnSpLocks/>
+          </p:cNvCxnSpPr>
+          <p:nvPr/>
+        </p:nvCxnSpPr>
+        <p:spPr>
+          <a:xfrm flipH="1">
+            <a:off x="1844344" y="1086056"/>
+            <a:ext cx="4447529" cy="3562293"/>
+          </a:xfrm>
+          <a:prstGeom prst="straightConnector1">
+            <a:avLst/>
+          </a:prstGeom>
+          <a:ln w="38100">
+            <a:headEnd type="triangle"/>
+            <a:tailEnd type="triangle"/>
+          </a:ln>
+        </p:spPr>
+        <p:style>
+          <a:lnRef idx="1">
+            <a:schemeClr val="accent1"/>
+          </a:lnRef>
+          <a:fillRef idx="0">
+            <a:schemeClr val="accent1"/>
+          </a:fillRef>
+          <a:effectRef idx="0">
+            <a:schemeClr val="accent1"/>
+          </a:effectRef>
+          <a:fontRef idx="minor">
+            <a:schemeClr val="tx1"/>
+          </a:fontRef>
+        </p:style>
+      </p:cxnSp>
+      <p:sp>
+        <p:nvSpPr>
+          <p:cNvPr id="20" name="TextBox 19">
+            <a:extLst>
+              <a:ext uri="{FF2B5EF4-FFF2-40B4-BE49-F238E27FC236}">
+                <a16:creationId xmlns:a16="http://schemas.microsoft.com/office/drawing/2014/main" id="{F1D7638E-80A9-694C-A323-5C54D8D5CF97}"/>
+              </a:ext>
+            </a:extLst>
+          </p:cNvPr>
+          <p:cNvSpPr txBox="1"/>
+          <p:nvPr/>
+        </p:nvSpPr>
+        <p:spPr>
+          <a:xfrm>
+            <a:off x="193432" y="2270327"/>
+            <a:ext cx="2870200" cy="369332"/>
+          </a:xfrm>
+          <a:prstGeom prst="rect">
+            <a:avLst/>
+          </a:prstGeom>
+          <a:noFill/>
+        </p:spPr>
+        <p:txBody>
+          <a:bodyPr wrap="square" rtlCol="0">
+            <a:spAutoFit/>
+          </a:bodyPr>
+          <a:lstStyle/>
+          <a:p>
+            <a:r>
+              <a:rPr lang="en-US" dirty="0"/>
+              <a:t>Developer Laptop</a:t>
+            </a:r>
+          </a:p>
+        </p:txBody>
+      </p:sp>
+      <p:sp>
+        <p:nvSpPr>
+          <p:cNvPr id="26" name="TextBox 25">
+            <a:extLst>
+              <a:ext uri="{FF2B5EF4-FFF2-40B4-BE49-F238E27FC236}">
+                <a16:creationId xmlns:a16="http://schemas.microsoft.com/office/drawing/2014/main" id="{A9FD6E29-C021-2945-95D3-974428694348}"/>
+              </a:ext>
+            </a:extLst>
+          </p:cNvPr>
+          <p:cNvSpPr txBox="1"/>
+          <p:nvPr/>
+        </p:nvSpPr>
+        <p:spPr>
+          <a:xfrm>
+            <a:off x="3483635" y="5814622"/>
+            <a:ext cx="2086707" cy="830997"/>
+          </a:xfrm>
+          <a:prstGeom prst="rect">
+            <a:avLst/>
+          </a:prstGeom>
+          <a:solidFill>
+            <a:schemeClr val="accent6"/>
+          </a:solidFill>
+        </p:spPr>
+        <p:txBody>
+          <a:bodyPr wrap="square" rtlCol="0">
+            <a:spAutoFit/>
+          </a:bodyPr>
+          <a:lstStyle/>
+          <a:p>
+            <a:pPr algn="ctr"/>
+            <a:r>
+              <a:rPr lang="en-US" sz="2400" dirty="0">
+                <a:solidFill>
+                  <a:schemeClr val="bg1"/>
+                </a:solidFill>
+              </a:rPr>
+              <a:t>Simulation Reporting</a:t>
+            </a:r>
+          </a:p>
+        </p:txBody>
+      </p:sp>
+      <p:sp>
+        <p:nvSpPr>
+          <p:cNvPr id="27" name="TextBox 26">
+            <a:extLst>
+              <a:ext uri="{FF2B5EF4-FFF2-40B4-BE49-F238E27FC236}">
+                <a16:creationId xmlns:a16="http://schemas.microsoft.com/office/drawing/2014/main" id="{A3D96B07-66EE-204A-966D-BDA145DBFDBC}"/>
+              </a:ext>
+            </a:extLst>
+          </p:cNvPr>
+          <p:cNvSpPr txBox="1"/>
+          <p:nvPr/>
+        </p:nvSpPr>
+        <p:spPr>
+          <a:xfrm>
+            <a:off x="3483634" y="4658228"/>
+            <a:ext cx="2086707" cy="400110"/>
+          </a:xfrm>
+          <a:prstGeom prst="rect">
+            <a:avLst/>
+          </a:prstGeom>
+          <a:solidFill>
+            <a:srgbClr val="0070C0"/>
+          </a:solidFill>
+        </p:spPr>
+        <p:txBody>
+          <a:bodyPr wrap="square" rtlCol="0">
+            <a:spAutoFit/>
+          </a:bodyPr>
+          <a:lstStyle/>
+          <a:p>
+            <a:pPr algn="ctr"/>
+            <a:r>
+              <a:rPr lang="en-US" sz="2000" dirty="0">
+                <a:solidFill>
+                  <a:schemeClr val="bg1"/>
+                </a:solidFill>
+              </a:rPr>
+              <a:t>KAR sidecar</a:t>
+            </a:r>
+          </a:p>
+        </p:txBody>
+      </p:sp>
+      <p:cxnSp>
+        <p:nvCxnSpPr>
+          <p:cNvPr id="28" name="Straight Arrow Connector 27">
+            <a:extLst>
+              <a:ext uri="{FF2B5EF4-FFF2-40B4-BE49-F238E27FC236}">
+                <a16:creationId xmlns:a16="http://schemas.microsoft.com/office/drawing/2014/main" id="{E8046B74-EC9E-4042-A683-D0FA16281A7E}"/>
+              </a:ext>
+            </a:extLst>
+          </p:cNvPr>
+          <p:cNvCxnSpPr>
+            <a:cxnSpLocks/>
+            <a:stCxn id="27" idx="2"/>
+            <a:endCxn id="26" idx="0"/>
+          </p:cNvCxnSpPr>
+          <p:nvPr/>
+        </p:nvCxnSpPr>
+        <p:spPr>
+          <a:xfrm>
+            <a:off x="4526988" y="5058338"/>
+            <a:ext cx="1" cy="756284"/>
+          </a:xfrm>
+          <a:prstGeom prst="straightConnector1">
+            <a:avLst/>
+          </a:prstGeom>
+          <a:ln w="38100">
+            <a:headEnd type="triangle"/>
+            <a:tailEnd type="triangle"/>
+          </a:ln>
+        </p:spPr>
+        <p:style>
+          <a:lnRef idx="1">
+            <a:schemeClr val="accent1"/>
+          </a:lnRef>
+          <a:fillRef idx="0">
+            <a:schemeClr val="accent1"/>
+          </a:fillRef>
+          <a:effectRef idx="0">
+            <a:schemeClr val="accent1"/>
+          </a:effectRef>
+          <a:fontRef idx="minor">
+            <a:schemeClr val="tx1"/>
+          </a:fontRef>
+        </p:style>
+      </p:cxnSp>
+      <p:sp>
+        <p:nvSpPr>
+          <p:cNvPr id="29" name="TextBox 28">
+            <a:extLst>
+              <a:ext uri="{FF2B5EF4-FFF2-40B4-BE49-F238E27FC236}">
+                <a16:creationId xmlns:a16="http://schemas.microsoft.com/office/drawing/2014/main" id="{50A6001B-C1B6-6646-B49A-17E6F2D4C580}"/>
+              </a:ext>
+            </a:extLst>
+          </p:cNvPr>
+          <p:cNvSpPr txBox="1"/>
+          <p:nvPr/>
+        </p:nvSpPr>
+        <p:spPr>
+          <a:xfrm>
+            <a:off x="4526987" y="5295847"/>
+            <a:ext cx="914400" cy="369332"/>
+          </a:xfrm>
+          <a:prstGeom prst="rect">
+            <a:avLst/>
+          </a:prstGeom>
+          <a:noFill/>
+        </p:spPr>
+        <p:txBody>
+          <a:bodyPr wrap="square" rtlCol="0">
+            <a:spAutoFit/>
+          </a:bodyPr>
+          <a:lstStyle/>
+          <a:p>
+            <a:r>
+              <a:rPr lang="en-US" dirty="0"/>
+              <a:t>http</a:t>
+            </a:r>
+          </a:p>
+        </p:txBody>
+      </p:sp>
+      <p:cxnSp>
+        <p:nvCxnSpPr>
+          <p:cNvPr id="30" name="Straight Arrow Connector 29">
+            <a:extLst>
+              <a:ext uri="{FF2B5EF4-FFF2-40B4-BE49-F238E27FC236}">
+                <a16:creationId xmlns:a16="http://schemas.microsoft.com/office/drawing/2014/main" id="{038CA51B-0F89-3E4D-A4A7-B9250AB7AB83}"/>
+              </a:ext>
+            </a:extLst>
+          </p:cNvPr>
+          <p:cNvCxnSpPr>
+            <a:cxnSpLocks/>
+          </p:cNvCxnSpPr>
+          <p:nvPr/>
+        </p:nvCxnSpPr>
+        <p:spPr>
+          <a:xfrm flipH="1">
+            <a:off x="4549649" y="1480562"/>
+            <a:ext cx="2384137" cy="3199634"/>
+          </a:xfrm>
+          <a:prstGeom prst="straightConnector1">
+            <a:avLst/>
+          </a:prstGeom>
+          <a:ln w="38100">
+            <a:headEnd type="triangle"/>
+            <a:tailEnd type="triangle"/>
+          </a:ln>
+        </p:spPr>
+        <p:style>
+          <a:lnRef idx="1">
+            <a:schemeClr val="accent1"/>
+          </a:lnRef>
+          <a:fillRef idx="0">
+            <a:schemeClr val="accent1"/>
+          </a:fillRef>
+          <a:effectRef idx="0">
+            <a:schemeClr val="accent1"/>
+          </a:effectRef>
+          <a:fontRef idx="minor">
+            <a:schemeClr val="tx1"/>
+          </a:fontRef>
+        </p:style>
+      </p:cxnSp>
+      <p:sp>
+        <p:nvSpPr>
+          <p:cNvPr id="32" name="TextBox 31">
+            <a:extLst>
+              <a:ext uri="{FF2B5EF4-FFF2-40B4-BE49-F238E27FC236}">
+                <a16:creationId xmlns:a16="http://schemas.microsoft.com/office/drawing/2014/main" id="{1446E38A-61A7-2E45-9A39-1802F5BBC703}"/>
+              </a:ext>
+            </a:extLst>
+          </p:cNvPr>
+          <p:cNvSpPr txBox="1"/>
+          <p:nvPr/>
+        </p:nvSpPr>
+        <p:spPr>
+          <a:xfrm>
+            <a:off x="403734" y="3202467"/>
+            <a:ext cx="2086707" cy="461665"/>
+          </a:xfrm>
+          <a:prstGeom prst="rect">
+            <a:avLst/>
+          </a:prstGeom>
+          <a:solidFill>
+            <a:srgbClr val="7030A0"/>
+          </a:solidFill>
+        </p:spPr>
+        <p:txBody>
+          <a:bodyPr wrap="square" rtlCol="0">
+            <a:spAutoFit/>
+          </a:bodyPr>
+          <a:lstStyle/>
+          <a:p>
+            <a:pPr algn="ctr"/>
+            <a:r>
+              <a:rPr lang="en-US" sz="2400" dirty="0">
+                <a:solidFill>
+                  <a:schemeClr val="bg1"/>
+                </a:solidFill>
+              </a:rPr>
+              <a:t>Slack Client</a:t>
+            </a:r>
+          </a:p>
+        </p:txBody>
+      </p:sp>
+      <p:cxnSp>
+        <p:nvCxnSpPr>
+          <p:cNvPr id="33" name="Straight Connector 32">
+            <a:extLst>
+              <a:ext uri="{FF2B5EF4-FFF2-40B4-BE49-F238E27FC236}">
+                <a16:creationId xmlns:a16="http://schemas.microsoft.com/office/drawing/2014/main" id="{9CB6FE69-4947-8543-A8CB-AA62B98590E5}"/>
+              </a:ext>
+            </a:extLst>
+          </p:cNvPr>
+          <p:cNvCxnSpPr/>
+          <p:nvPr/>
+        </p:nvCxnSpPr>
+        <p:spPr>
+          <a:xfrm>
+            <a:off x="233858" y="1823107"/>
+            <a:ext cx="11361682" cy="0"/>
+          </a:xfrm>
+          <a:prstGeom prst="line">
+            <a:avLst/>
+          </a:prstGeom>
+          <a:ln w="25400">
+            <a:prstDash val="dash"/>
+          </a:ln>
+        </p:spPr>
+        <p:style>
+          <a:lnRef idx="1">
+            <a:schemeClr val="dk1"/>
+          </a:lnRef>
+          <a:fillRef idx="0">
+            <a:schemeClr val="dk1"/>
+          </a:fillRef>
+          <a:effectRef idx="0">
+            <a:schemeClr val="dk1"/>
+          </a:effectRef>
+          <a:fontRef idx="minor">
+            <a:schemeClr val="tx1"/>
+          </a:fontRef>
+        </p:style>
+      </p:cxnSp>
+      <p:sp>
+        <p:nvSpPr>
+          <p:cNvPr id="34" name="TextBox 33">
+            <a:extLst>
+              <a:ext uri="{FF2B5EF4-FFF2-40B4-BE49-F238E27FC236}">
+                <a16:creationId xmlns:a16="http://schemas.microsoft.com/office/drawing/2014/main" id="{4D70B105-6138-0E4D-BB7F-F1D2029CA39B}"/>
+              </a:ext>
+            </a:extLst>
+          </p:cNvPr>
+          <p:cNvSpPr txBox="1"/>
+          <p:nvPr/>
+        </p:nvSpPr>
+        <p:spPr>
+          <a:xfrm>
+            <a:off x="3483634" y="545834"/>
+            <a:ext cx="2086707" cy="830997"/>
+          </a:xfrm>
+          <a:prstGeom prst="rect">
+            <a:avLst/>
+          </a:prstGeom>
+          <a:solidFill>
+            <a:srgbClr val="7030A0"/>
+          </a:solidFill>
+        </p:spPr>
+        <p:txBody>
+          <a:bodyPr wrap="square" rtlCol="0">
+            <a:spAutoFit/>
+          </a:bodyPr>
+          <a:lstStyle/>
+          <a:p>
+            <a:pPr algn="ctr"/>
+            <a:r>
+              <a:rPr lang="en-US" sz="2400" dirty="0" err="1">
+                <a:solidFill>
+                  <a:schemeClr val="bg1"/>
+                </a:solidFill>
+              </a:rPr>
+              <a:t>CloudEvents</a:t>
+            </a:r>
+            <a:r>
+              <a:rPr lang="en-US" sz="2400" dirty="0">
+                <a:solidFill>
+                  <a:schemeClr val="bg1"/>
+                </a:solidFill>
+              </a:rPr>
+              <a:t> to Slack Processer</a:t>
+            </a:r>
+          </a:p>
+        </p:txBody>
+      </p:sp>
+      <p:cxnSp>
+        <p:nvCxnSpPr>
+          <p:cNvPr id="37" name="Straight Arrow Connector 36">
+            <a:extLst>
+              <a:ext uri="{FF2B5EF4-FFF2-40B4-BE49-F238E27FC236}">
+                <a16:creationId xmlns:a16="http://schemas.microsoft.com/office/drawing/2014/main" id="{0A24BA2A-4A22-5440-92E7-DB7508487FC1}"/>
+              </a:ext>
+            </a:extLst>
+          </p:cNvPr>
+          <p:cNvCxnSpPr>
+            <a:cxnSpLocks/>
+            <a:endCxn id="32" idx="0"/>
+          </p:cNvCxnSpPr>
+          <p:nvPr/>
+        </p:nvCxnSpPr>
+        <p:spPr>
+          <a:xfrm flipH="1">
+            <a:off x="1447088" y="1426814"/>
+            <a:ext cx="2653840" cy="1775653"/>
+          </a:xfrm>
+          <a:prstGeom prst="straightConnector1">
+            <a:avLst/>
+          </a:prstGeom>
+          <a:ln w="38100">
+            <a:headEnd type="none"/>
+            <a:tailEnd type="triangle"/>
+          </a:ln>
+        </p:spPr>
+        <p:style>
+          <a:lnRef idx="1">
+            <a:schemeClr val="accent1"/>
+          </a:lnRef>
+          <a:fillRef idx="0">
+            <a:schemeClr val="accent1"/>
+          </a:fillRef>
+          <a:effectRef idx="0">
+            <a:schemeClr val="accent1"/>
+          </a:effectRef>
+          <a:fontRef idx="minor">
+            <a:schemeClr val="tx1"/>
+          </a:fontRef>
+        </p:style>
+      </p:cxnSp>
+      <p:sp>
+        <p:nvSpPr>
+          <p:cNvPr id="40" name="TextBox 39">
+            <a:extLst>
+              <a:ext uri="{FF2B5EF4-FFF2-40B4-BE49-F238E27FC236}">
+                <a16:creationId xmlns:a16="http://schemas.microsoft.com/office/drawing/2014/main" id="{8D6815EA-7D0C-6046-A087-D3F94A5A1ECF}"/>
+              </a:ext>
+            </a:extLst>
+          </p:cNvPr>
+          <p:cNvSpPr txBox="1"/>
+          <p:nvPr/>
+        </p:nvSpPr>
+        <p:spPr>
+          <a:xfrm>
+            <a:off x="233858" y="323990"/>
+            <a:ext cx="2154621" cy="646331"/>
+          </a:xfrm>
+          <a:prstGeom prst="rect">
+            <a:avLst/>
+          </a:prstGeom>
+          <a:noFill/>
+        </p:spPr>
+        <p:txBody>
+          <a:bodyPr wrap="square" rtlCol="0">
+            <a:spAutoFit/>
+          </a:bodyPr>
+          <a:lstStyle/>
+          <a:p>
+            <a:r>
+              <a:rPr lang="en-US" dirty="0"/>
+              <a:t>IBM Public Cloud Managed Services</a:t>
+            </a:r>
+          </a:p>
+        </p:txBody>
+      </p:sp>
+      <p:cxnSp>
+        <p:nvCxnSpPr>
+          <p:cNvPr id="31" name="Straight Connector 30">
+            <a:extLst>
+              <a:ext uri="{FF2B5EF4-FFF2-40B4-BE49-F238E27FC236}">
+                <a16:creationId xmlns:a16="http://schemas.microsoft.com/office/drawing/2014/main" id="{F86BC762-0732-0A4D-8DD7-44AC4965A678}"/>
+              </a:ext>
+            </a:extLst>
+          </p:cNvPr>
+          <p:cNvCxnSpPr>
+            <a:cxnSpLocks/>
+          </p:cNvCxnSpPr>
+          <p:nvPr/>
+        </p:nvCxnSpPr>
+        <p:spPr>
+          <a:xfrm>
+            <a:off x="6083300" y="1867865"/>
+            <a:ext cx="0" cy="4761985"/>
+          </a:xfrm>
+          <a:prstGeom prst="line">
+            <a:avLst/>
+          </a:prstGeom>
+          <a:ln w="25400">
+            <a:prstDash val="dash"/>
+          </a:ln>
+        </p:spPr>
+        <p:style>
+          <a:lnRef idx="1">
+            <a:schemeClr val="dk1"/>
+          </a:lnRef>
+          <a:fillRef idx="0">
+            <a:schemeClr val="dk1"/>
+          </a:fillRef>
+          <a:effectRef idx="0">
+            <a:schemeClr val="dk1"/>
+          </a:effectRef>
+          <a:fontRef idx="minor">
+            <a:schemeClr val="tx1"/>
+          </a:fontRef>
+        </p:style>
+      </p:cxnSp>
+      <p:sp>
+        <p:nvSpPr>
+          <p:cNvPr id="38" name="TextBox 37">
+            <a:extLst>
+              <a:ext uri="{FF2B5EF4-FFF2-40B4-BE49-F238E27FC236}">
+                <a16:creationId xmlns:a16="http://schemas.microsoft.com/office/drawing/2014/main" id="{D04A375A-B6A9-9543-80C2-5FFCE5074D89}"/>
+              </a:ext>
+            </a:extLst>
+          </p:cNvPr>
+          <p:cNvSpPr txBox="1"/>
+          <p:nvPr/>
+        </p:nvSpPr>
+        <p:spPr>
+          <a:xfrm>
+            <a:off x="10085120" y="2073283"/>
+            <a:ext cx="1998741" cy="646331"/>
+          </a:xfrm>
+          <a:prstGeom prst="rect">
+            <a:avLst/>
+          </a:prstGeom>
+          <a:noFill/>
+        </p:spPr>
+        <p:txBody>
+          <a:bodyPr wrap="square" rtlCol="0">
+            <a:spAutoFit/>
+          </a:bodyPr>
+          <a:lstStyle/>
+          <a:p>
+            <a:r>
+              <a:rPr lang="en-US" dirty="0"/>
+              <a:t>IBM Cloud </a:t>
+            </a:r>
+          </a:p>
+          <a:p>
+            <a:r>
+              <a:rPr lang="en-US" dirty="0"/>
+              <a:t>Kubernetes Service</a:t>
+            </a:r>
+          </a:p>
+        </p:txBody>
+      </p:sp>
+      <p:grpSp>
+        <p:nvGrpSpPr>
+          <p:cNvPr id="56" name="Group 55">
+            <a:extLst>
+              <a:ext uri="{FF2B5EF4-FFF2-40B4-BE49-F238E27FC236}">
+                <a16:creationId xmlns:a16="http://schemas.microsoft.com/office/drawing/2014/main" id="{38ABC5E0-10EB-3848-962F-F70680D701D5}"/>
+              </a:ext>
+            </a:extLst>
+          </p:cNvPr>
+          <p:cNvGrpSpPr/>
+          <p:nvPr/>
+        </p:nvGrpSpPr>
+        <p:grpSpPr>
+          <a:xfrm>
+            <a:off x="7403928" y="3202467"/>
+            <a:ext cx="2743196" cy="2590800"/>
+            <a:chOff x="7403123" y="2209231"/>
+            <a:chExt cx="2743196" cy="2590800"/>
+          </a:xfrm>
+        </p:grpSpPr>
+        <p:sp>
+          <p:nvSpPr>
+            <p:cNvPr id="57" name="Rectangle 56">
+              <a:extLst>
+                <a:ext uri="{FF2B5EF4-FFF2-40B4-BE49-F238E27FC236}">
+                  <a16:creationId xmlns:a16="http://schemas.microsoft.com/office/drawing/2014/main" id="{A87C0C20-596B-ED4B-BCE0-5DFDF2F63CC3}"/>
+                </a:ext>
+              </a:extLst>
+            </p:cNvPr>
+            <p:cNvSpPr/>
+            <p:nvPr/>
+          </p:nvSpPr>
+          <p:spPr>
+            <a:xfrm>
+              <a:off x="7403123" y="2209231"/>
+              <a:ext cx="2743196" cy="2590800"/>
+            </a:xfrm>
+            <a:prstGeom prst="rect">
+              <a:avLst/>
+            </a:prstGeom>
+            <a:solidFill>
+              <a:schemeClr val="accent2">
+                <a:lumMod val="40000"/>
+                <a:lumOff val="60000"/>
+              </a:schemeClr>
+            </a:solidFill>
+          </p:spPr>
+          <p:style>
+            <a:lnRef idx="2">
+              <a:schemeClr val="accent1">
+                <a:shade val="50000"/>
+              </a:schemeClr>
+            </a:lnRef>
+            <a:fillRef idx="1">
+              <a:schemeClr val="accent1"/>
+            </a:fillRef>
+            <a:effectRef idx="0">
+              <a:schemeClr val="accent1"/>
+            </a:effectRef>
+            <a:fontRef idx="minor">
+              <a:schemeClr val="lt1"/>
+            </a:fontRef>
+          </p:style>
+          <p:txBody>
+            <a:bodyPr rtlCol="0" anchor="ctr"/>
+            <a:lstStyle/>
+            <a:p>
+              <a:r>
+                <a:rPr lang="en-US" dirty="0">
+                  <a:solidFill>
+                    <a:schemeClr val="tx1"/>
+                  </a:solidFill>
+                </a:rPr>
+                <a:t>pod</a:t>
+              </a:r>
+            </a:p>
+            <a:p>
+              <a:pPr algn="ctr"/>
+              <a:endParaRPr lang="en-US" dirty="0">
+                <a:solidFill>
+                  <a:schemeClr val="tx1"/>
+                </a:solidFill>
+              </a:endParaRPr>
+            </a:p>
+            <a:p>
+              <a:pPr algn="ctr"/>
+              <a:endParaRPr lang="en-US" dirty="0">
+                <a:solidFill>
+                  <a:schemeClr val="tx1"/>
+                </a:solidFill>
+              </a:endParaRPr>
+            </a:p>
+            <a:p>
+              <a:pPr algn="ctr"/>
+              <a:endParaRPr lang="en-US" dirty="0">
+                <a:solidFill>
+                  <a:schemeClr val="tx1"/>
+                </a:solidFill>
+              </a:endParaRPr>
+            </a:p>
+            <a:p>
+              <a:pPr algn="ctr"/>
+              <a:endParaRPr lang="en-US" dirty="0">
+                <a:solidFill>
+                  <a:schemeClr val="tx1"/>
+                </a:solidFill>
+              </a:endParaRPr>
+            </a:p>
+            <a:p>
+              <a:pPr algn="ctr"/>
+              <a:endParaRPr lang="en-US" dirty="0">
+                <a:solidFill>
+                  <a:schemeClr val="tx1"/>
+                </a:solidFill>
+              </a:endParaRPr>
+            </a:p>
+            <a:p>
+              <a:pPr algn="ctr"/>
+              <a:endParaRPr lang="en-US" dirty="0">
+                <a:solidFill>
+                  <a:schemeClr val="tx1"/>
+                </a:solidFill>
+              </a:endParaRPr>
+            </a:p>
+            <a:p>
+              <a:pPr algn="ctr"/>
+              <a:endParaRPr lang="en-US" dirty="0">
+                <a:solidFill>
+                  <a:schemeClr val="tx1"/>
+                </a:solidFill>
+              </a:endParaRPr>
+            </a:p>
+            <a:p>
+              <a:pPr algn="ctr"/>
+              <a:endParaRPr lang="en-US" dirty="0">
+                <a:solidFill>
+                  <a:schemeClr val="tx1"/>
+                </a:solidFill>
+              </a:endParaRPr>
+            </a:p>
+          </p:txBody>
+        </p:sp>
+        <p:sp>
+          <p:nvSpPr>
+            <p:cNvPr id="58" name="TextBox 57">
+              <a:extLst>
+                <a:ext uri="{FF2B5EF4-FFF2-40B4-BE49-F238E27FC236}">
+                  <a16:creationId xmlns:a16="http://schemas.microsoft.com/office/drawing/2014/main" id="{577F917A-9F29-EB4B-8EA2-7E9A973FDC9E}"/>
+                </a:ext>
+              </a:extLst>
+            </p:cNvPr>
+            <p:cNvSpPr txBox="1"/>
+            <p:nvPr/>
+          </p:nvSpPr>
+          <p:spPr>
+            <a:xfrm>
+              <a:off x="7723461" y="3740566"/>
+              <a:ext cx="2086707" cy="830997"/>
+            </a:xfrm>
+            <a:prstGeom prst="rect">
+              <a:avLst/>
+            </a:prstGeom>
+            <a:solidFill>
+              <a:schemeClr val="accent6"/>
+            </a:solidFill>
+          </p:spPr>
+          <p:txBody>
+            <a:bodyPr wrap="square" rtlCol="0">
+              <a:spAutoFit/>
+            </a:bodyPr>
+            <a:lstStyle/>
+            <a:p>
+              <a:pPr algn="ctr"/>
+              <a:r>
+                <a:rPr lang="en-US" sz="2400" dirty="0">
+                  <a:solidFill>
+                    <a:schemeClr val="bg1"/>
+                  </a:solidFill>
+                </a:rPr>
+                <a:t>Simulation Server</a:t>
+              </a:r>
+            </a:p>
+          </p:txBody>
+        </p:sp>
+        <p:sp>
+          <p:nvSpPr>
+            <p:cNvPr id="59" name="TextBox 58">
+              <a:extLst>
+                <a:ext uri="{FF2B5EF4-FFF2-40B4-BE49-F238E27FC236}">
+                  <a16:creationId xmlns:a16="http://schemas.microsoft.com/office/drawing/2014/main" id="{E1BE2C05-E320-EA4D-8FC2-6F8E80B5DB1C}"/>
+                </a:ext>
+              </a:extLst>
+            </p:cNvPr>
+            <p:cNvSpPr txBox="1"/>
+            <p:nvPr/>
+          </p:nvSpPr>
+          <p:spPr>
+            <a:xfrm>
+              <a:off x="7723462" y="2584173"/>
+              <a:ext cx="2086707" cy="400110"/>
+            </a:xfrm>
+            <a:prstGeom prst="rect">
+              <a:avLst/>
+            </a:prstGeom>
+            <a:solidFill>
+              <a:srgbClr val="0070C0"/>
+            </a:solidFill>
+          </p:spPr>
+          <p:txBody>
+            <a:bodyPr wrap="square" rtlCol="0">
+              <a:spAutoFit/>
+            </a:bodyPr>
+            <a:lstStyle/>
+            <a:p>
+              <a:pPr algn="ctr"/>
+              <a:r>
+                <a:rPr lang="en-US" sz="2000" dirty="0">
+                  <a:solidFill>
+                    <a:schemeClr val="bg1"/>
+                  </a:solidFill>
+                </a:rPr>
+                <a:t>KAR sidecar</a:t>
+              </a:r>
+            </a:p>
+          </p:txBody>
+        </p:sp>
+        <p:cxnSp>
+          <p:nvCxnSpPr>
+            <p:cNvPr id="60" name="Straight Arrow Connector 59">
+              <a:extLst>
+                <a:ext uri="{FF2B5EF4-FFF2-40B4-BE49-F238E27FC236}">
+                  <a16:creationId xmlns:a16="http://schemas.microsoft.com/office/drawing/2014/main" id="{440F28F9-C09D-E14F-B5DB-9485FBE19142}"/>
+                </a:ext>
+              </a:extLst>
+            </p:cNvPr>
+            <p:cNvCxnSpPr>
+              <a:cxnSpLocks/>
+              <a:stCxn id="59" idx="2"/>
+            </p:cNvCxnSpPr>
+            <p:nvPr/>
+          </p:nvCxnSpPr>
+          <p:spPr>
+            <a:xfrm>
+              <a:off x="8766816" y="2984283"/>
+              <a:ext cx="0" cy="769540"/>
+            </a:xfrm>
+            <a:prstGeom prst="straightConnector1">
+              <a:avLst/>
+            </a:prstGeom>
+            <a:ln w="38100">
+              <a:headEnd type="triangle"/>
+              <a:tailEnd type="triangle"/>
+            </a:ln>
+          </p:spPr>
+          <p:style>
+            <a:lnRef idx="1">
+              <a:schemeClr val="accent1"/>
+            </a:lnRef>
+            <a:fillRef idx="0">
+              <a:schemeClr val="accent1"/>
+            </a:fillRef>
+            <a:effectRef idx="0">
+              <a:schemeClr val="accent1"/>
+            </a:effectRef>
+            <a:fontRef idx="minor">
+              <a:schemeClr val="tx1"/>
+            </a:fontRef>
+          </p:style>
+        </p:cxnSp>
+        <p:sp>
+          <p:nvSpPr>
+            <p:cNvPr id="61" name="TextBox 60">
+              <a:extLst>
+                <a:ext uri="{FF2B5EF4-FFF2-40B4-BE49-F238E27FC236}">
+                  <a16:creationId xmlns:a16="http://schemas.microsoft.com/office/drawing/2014/main" id="{C7A254D9-237E-A54C-9FA2-D370056D5EE9}"/>
+                </a:ext>
+              </a:extLst>
+            </p:cNvPr>
+            <p:cNvSpPr txBox="1"/>
+            <p:nvPr/>
+          </p:nvSpPr>
+          <p:spPr>
+            <a:xfrm>
+              <a:off x="8766814" y="3223325"/>
+              <a:ext cx="914400" cy="369332"/>
+            </a:xfrm>
+            <a:prstGeom prst="rect">
+              <a:avLst/>
+            </a:prstGeom>
+            <a:noFill/>
+          </p:spPr>
+          <p:txBody>
+            <a:bodyPr wrap="square" rtlCol="0">
+              <a:spAutoFit/>
+            </a:bodyPr>
+            <a:lstStyle/>
+            <a:p>
+              <a:r>
+                <a:rPr lang="en-US" dirty="0"/>
+                <a:t>http</a:t>
+              </a:r>
+            </a:p>
+          </p:txBody>
+        </p:sp>
+      </p:grpSp>
+      <p:grpSp>
+        <p:nvGrpSpPr>
+          <p:cNvPr id="62" name="Group 61">
+            <a:extLst>
+              <a:ext uri="{FF2B5EF4-FFF2-40B4-BE49-F238E27FC236}">
+                <a16:creationId xmlns:a16="http://schemas.microsoft.com/office/drawing/2014/main" id="{8E7B459A-4A51-F947-BB39-043A2253EBC5}"/>
+              </a:ext>
+            </a:extLst>
+          </p:cNvPr>
+          <p:cNvGrpSpPr/>
+          <p:nvPr/>
+        </p:nvGrpSpPr>
+        <p:grpSpPr>
+          <a:xfrm>
+            <a:off x="6687127" y="2462383"/>
+            <a:ext cx="2743196" cy="2590800"/>
+            <a:chOff x="7403123" y="2209231"/>
+            <a:chExt cx="2743196" cy="2590800"/>
+          </a:xfrm>
+        </p:grpSpPr>
+        <p:sp>
+          <p:nvSpPr>
+            <p:cNvPr id="63" name="Rectangle 62">
+              <a:extLst>
+                <a:ext uri="{FF2B5EF4-FFF2-40B4-BE49-F238E27FC236}">
+                  <a16:creationId xmlns:a16="http://schemas.microsoft.com/office/drawing/2014/main" id="{E002765C-B780-6D4C-AFCA-52EB26BB575F}"/>
+                </a:ext>
+              </a:extLst>
+            </p:cNvPr>
+            <p:cNvSpPr/>
+            <p:nvPr/>
+          </p:nvSpPr>
+          <p:spPr>
+            <a:xfrm>
+              <a:off x="7403123" y="2209231"/>
+              <a:ext cx="2743196" cy="2590800"/>
+            </a:xfrm>
+            <a:prstGeom prst="rect">
+              <a:avLst/>
+            </a:prstGeom>
+            <a:solidFill>
+              <a:schemeClr val="accent2">
+                <a:lumMod val="40000"/>
+                <a:lumOff val="60000"/>
+              </a:schemeClr>
+            </a:solidFill>
+          </p:spPr>
+          <p:style>
+            <a:lnRef idx="2">
+              <a:schemeClr val="accent1">
+                <a:shade val="50000"/>
+              </a:schemeClr>
+            </a:lnRef>
+            <a:fillRef idx="1">
+              <a:schemeClr val="accent1"/>
+            </a:fillRef>
+            <a:effectRef idx="0">
+              <a:schemeClr val="accent1"/>
+            </a:effectRef>
+            <a:fontRef idx="minor">
+              <a:schemeClr val="lt1"/>
+            </a:fontRef>
+          </p:style>
+          <p:txBody>
+            <a:bodyPr rtlCol="0" anchor="ctr"/>
+            <a:lstStyle/>
+            <a:p>
+              <a:r>
+                <a:rPr lang="en-US" dirty="0">
+                  <a:solidFill>
+                    <a:schemeClr val="tx1"/>
+                  </a:solidFill>
+                </a:rPr>
+                <a:t>pod</a:t>
+              </a:r>
+            </a:p>
+            <a:p>
+              <a:pPr algn="ctr"/>
+              <a:endParaRPr lang="en-US" dirty="0">
+                <a:solidFill>
+                  <a:schemeClr val="tx1"/>
+                </a:solidFill>
+              </a:endParaRPr>
+            </a:p>
+            <a:p>
+              <a:pPr algn="ctr"/>
+              <a:endParaRPr lang="en-US" dirty="0">
+                <a:solidFill>
+                  <a:schemeClr val="tx1"/>
+                </a:solidFill>
+              </a:endParaRPr>
+            </a:p>
+            <a:p>
+              <a:pPr algn="ctr"/>
+              <a:endParaRPr lang="en-US" dirty="0">
+                <a:solidFill>
+                  <a:schemeClr val="tx1"/>
+                </a:solidFill>
+              </a:endParaRPr>
+            </a:p>
+            <a:p>
+              <a:pPr algn="ctr"/>
+              <a:endParaRPr lang="en-US" dirty="0">
+                <a:solidFill>
+                  <a:schemeClr val="tx1"/>
+                </a:solidFill>
+              </a:endParaRPr>
+            </a:p>
+            <a:p>
+              <a:pPr algn="ctr"/>
+              <a:endParaRPr lang="en-US" dirty="0">
+                <a:solidFill>
+                  <a:schemeClr val="tx1"/>
+                </a:solidFill>
+              </a:endParaRPr>
+            </a:p>
+            <a:p>
+              <a:pPr algn="ctr"/>
+              <a:endParaRPr lang="en-US" dirty="0">
+                <a:solidFill>
+                  <a:schemeClr val="tx1"/>
+                </a:solidFill>
+              </a:endParaRPr>
+            </a:p>
+            <a:p>
+              <a:pPr algn="ctr"/>
+              <a:endParaRPr lang="en-US" dirty="0">
+                <a:solidFill>
+                  <a:schemeClr val="tx1"/>
+                </a:solidFill>
+              </a:endParaRPr>
+            </a:p>
+            <a:p>
+              <a:pPr algn="ctr"/>
+              <a:endParaRPr lang="en-US" dirty="0">
+                <a:solidFill>
+                  <a:schemeClr val="tx1"/>
+                </a:solidFill>
+              </a:endParaRPr>
+            </a:p>
+          </p:txBody>
+        </p:sp>
+        <p:sp>
+          <p:nvSpPr>
+            <p:cNvPr id="68" name="TextBox 67">
+              <a:extLst>
+                <a:ext uri="{FF2B5EF4-FFF2-40B4-BE49-F238E27FC236}">
+                  <a16:creationId xmlns:a16="http://schemas.microsoft.com/office/drawing/2014/main" id="{19673839-1657-8F46-9E32-A0C2B2B7B564}"/>
+                </a:ext>
+              </a:extLst>
+            </p:cNvPr>
+            <p:cNvSpPr txBox="1"/>
+            <p:nvPr/>
+          </p:nvSpPr>
+          <p:spPr>
+            <a:xfrm>
+              <a:off x="7723461" y="3740566"/>
+              <a:ext cx="2086707" cy="830997"/>
+            </a:xfrm>
+            <a:prstGeom prst="rect">
+              <a:avLst/>
+            </a:prstGeom>
+            <a:solidFill>
+              <a:schemeClr val="accent6"/>
+            </a:solidFill>
+          </p:spPr>
+          <p:txBody>
+            <a:bodyPr wrap="square" rtlCol="0">
+              <a:spAutoFit/>
+            </a:bodyPr>
+            <a:lstStyle/>
+            <a:p>
+              <a:pPr algn="ctr"/>
+              <a:r>
+                <a:rPr lang="en-US" sz="2400" dirty="0">
+                  <a:solidFill>
+                    <a:schemeClr val="bg1"/>
+                  </a:solidFill>
+                </a:rPr>
+                <a:t>Simulation Server</a:t>
+              </a:r>
+            </a:p>
+          </p:txBody>
+        </p:sp>
+        <p:sp>
+          <p:nvSpPr>
+            <p:cNvPr id="69" name="TextBox 68">
+              <a:extLst>
+                <a:ext uri="{FF2B5EF4-FFF2-40B4-BE49-F238E27FC236}">
+                  <a16:creationId xmlns:a16="http://schemas.microsoft.com/office/drawing/2014/main" id="{1C984567-5C77-2944-8A94-0D288C413685}"/>
+                </a:ext>
+              </a:extLst>
+            </p:cNvPr>
+            <p:cNvSpPr txBox="1"/>
+            <p:nvPr/>
+          </p:nvSpPr>
+          <p:spPr>
+            <a:xfrm>
+              <a:off x="7723462" y="2584173"/>
+              <a:ext cx="2086707" cy="400110"/>
+            </a:xfrm>
+            <a:prstGeom prst="rect">
+              <a:avLst/>
+            </a:prstGeom>
+            <a:solidFill>
+              <a:srgbClr val="0070C0"/>
+            </a:solidFill>
+          </p:spPr>
+          <p:txBody>
+            <a:bodyPr wrap="square" rtlCol="0">
+              <a:spAutoFit/>
+            </a:bodyPr>
+            <a:lstStyle/>
+            <a:p>
+              <a:pPr algn="ctr"/>
+              <a:r>
+                <a:rPr lang="en-US" sz="2000" dirty="0">
+                  <a:solidFill>
+                    <a:schemeClr val="bg1"/>
+                  </a:solidFill>
+                </a:rPr>
+                <a:t>KAR sidecar</a:t>
+              </a:r>
+            </a:p>
+          </p:txBody>
+        </p:sp>
+        <p:cxnSp>
+          <p:nvCxnSpPr>
+            <p:cNvPr id="70" name="Straight Arrow Connector 69">
+              <a:extLst>
+                <a:ext uri="{FF2B5EF4-FFF2-40B4-BE49-F238E27FC236}">
+                  <a16:creationId xmlns:a16="http://schemas.microsoft.com/office/drawing/2014/main" id="{EDA19009-423B-FE49-97B3-23DDCF3FDF9C}"/>
+                </a:ext>
+              </a:extLst>
+            </p:cNvPr>
+            <p:cNvCxnSpPr>
+              <a:cxnSpLocks/>
+              <a:stCxn id="69" idx="2"/>
+            </p:cNvCxnSpPr>
+            <p:nvPr/>
+          </p:nvCxnSpPr>
+          <p:spPr>
+            <a:xfrm>
+              <a:off x="8766816" y="2984283"/>
+              <a:ext cx="0" cy="769540"/>
+            </a:xfrm>
+            <a:prstGeom prst="straightConnector1">
+              <a:avLst/>
+            </a:prstGeom>
+            <a:ln w="38100">
+              <a:headEnd type="triangle"/>
+              <a:tailEnd type="triangle"/>
+            </a:ln>
+          </p:spPr>
+          <p:style>
+            <a:lnRef idx="1">
+              <a:schemeClr val="accent1"/>
+            </a:lnRef>
+            <a:fillRef idx="0">
+              <a:schemeClr val="accent1"/>
+            </a:fillRef>
+            <a:effectRef idx="0">
+              <a:schemeClr val="accent1"/>
+            </a:effectRef>
+            <a:fontRef idx="minor">
+              <a:schemeClr val="tx1"/>
+            </a:fontRef>
+          </p:style>
+        </p:cxnSp>
+        <p:sp>
+          <p:nvSpPr>
+            <p:cNvPr id="71" name="TextBox 70">
+              <a:extLst>
+                <a:ext uri="{FF2B5EF4-FFF2-40B4-BE49-F238E27FC236}">
+                  <a16:creationId xmlns:a16="http://schemas.microsoft.com/office/drawing/2014/main" id="{07BFAF41-C48A-3143-B292-174A3F140C32}"/>
+                </a:ext>
+              </a:extLst>
+            </p:cNvPr>
+            <p:cNvSpPr txBox="1"/>
+            <p:nvPr/>
+          </p:nvSpPr>
+          <p:spPr>
+            <a:xfrm>
+              <a:off x="8766814" y="3223325"/>
+              <a:ext cx="914400" cy="369332"/>
+            </a:xfrm>
+            <a:prstGeom prst="rect">
+              <a:avLst/>
+            </a:prstGeom>
+            <a:noFill/>
+          </p:spPr>
+          <p:txBody>
+            <a:bodyPr wrap="square" rtlCol="0">
+              <a:spAutoFit/>
+            </a:bodyPr>
+            <a:lstStyle/>
+            <a:p>
+              <a:r>
+                <a:rPr lang="en-US" dirty="0"/>
+                <a:t>http</a:t>
+              </a:r>
+            </a:p>
+          </p:txBody>
+        </p:sp>
+      </p:grpSp>
+      <p:cxnSp>
+        <p:nvCxnSpPr>
+          <p:cNvPr id="35" name="Straight Arrow Connector 34">
+            <a:extLst>
+              <a:ext uri="{FF2B5EF4-FFF2-40B4-BE49-F238E27FC236}">
+                <a16:creationId xmlns:a16="http://schemas.microsoft.com/office/drawing/2014/main" id="{E04C21D1-D6F8-7641-8EE9-9BD9B02CDFA9}"/>
+              </a:ext>
+            </a:extLst>
+          </p:cNvPr>
+          <p:cNvCxnSpPr>
+            <a:cxnSpLocks/>
+          </p:cNvCxnSpPr>
+          <p:nvPr/>
+        </p:nvCxnSpPr>
+        <p:spPr>
+          <a:xfrm>
+            <a:off x="7847270" y="1380316"/>
+            <a:ext cx="0" cy="1457009"/>
+          </a:xfrm>
+          <a:prstGeom prst="straightConnector1">
+            <a:avLst/>
+          </a:prstGeom>
+          <a:ln w="38100">
+            <a:headEnd type="triangle"/>
+            <a:tailEnd type="triangle"/>
+          </a:ln>
+        </p:spPr>
+        <p:style>
+          <a:lnRef idx="1">
+            <a:schemeClr val="accent1"/>
+          </a:lnRef>
+          <a:fillRef idx="0">
+            <a:schemeClr val="accent1"/>
+          </a:fillRef>
+          <a:effectRef idx="0">
+            <a:schemeClr val="accent1"/>
+          </a:effectRef>
+          <a:fontRef idx="minor">
+            <a:schemeClr val="tx1"/>
+          </a:fontRef>
+        </p:style>
+      </p:cxnSp>
+      <p:cxnSp>
+        <p:nvCxnSpPr>
+          <p:cNvPr id="72" name="Straight Arrow Connector 71">
+            <a:extLst>
+              <a:ext uri="{FF2B5EF4-FFF2-40B4-BE49-F238E27FC236}">
+                <a16:creationId xmlns:a16="http://schemas.microsoft.com/office/drawing/2014/main" id="{F708015D-841B-D945-8406-902A413124B2}"/>
+              </a:ext>
+            </a:extLst>
+          </p:cNvPr>
+          <p:cNvCxnSpPr>
+            <a:cxnSpLocks/>
+          </p:cNvCxnSpPr>
+          <p:nvPr/>
+        </p:nvCxnSpPr>
+        <p:spPr>
+          <a:xfrm>
+            <a:off x="8058725" y="1380316"/>
+            <a:ext cx="1517075" cy="2197093"/>
+          </a:xfrm>
+          <a:prstGeom prst="straightConnector1">
+            <a:avLst/>
+          </a:prstGeom>
+          <a:ln w="38100">
+            <a:headEnd type="triangle"/>
+            <a:tailEnd type="triangle"/>
+          </a:ln>
+        </p:spPr>
+        <p:style>
+          <a:lnRef idx="1">
+            <a:schemeClr val="accent1"/>
+          </a:lnRef>
+          <a:fillRef idx="0">
+            <a:schemeClr val="accent1"/>
+          </a:fillRef>
+          <a:effectRef idx="0">
+            <a:schemeClr val="accent1"/>
+          </a:effectRef>
+          <a:fontRef idx="minor">
+            <a:schemeClr val="tx1"/>
+          </a:fontRef>
+        </p:style>
+      </p:cxnSp>
+      <p:cxnSp>
+        <p:nvCxnSpPr>
+          <p:cNvPr id="73" name="Straight Arrow Connector 72">
+            <a:extLst>
+              <a:ext uri="{FF2B5EF4-FFF2-40B4-BE49-F238E27FC236}">
+                <a16:creationId xmlns:a16="http://schemas.microsoft.com/office/drawing/2014/main" id="{8AC4942C-1708-484C-A7E1-7673B1B5026F}"/>
+              </a:ext>
+            </a:extLst>
+          </p:cNvPr>
+          <p:cNvCxnSpPr>
+            <a:cxnSpLocks/>
+          </p:cNvCxnSpPr>
+          <p:nvPr/>
+        </p:nvCxnSpPr>
+        <p:spPr>
+          <a:xfrm>
+            <a:off x="8377161" y="1417088"/>
+            <a:ext cx="1915440" cy="2914893"/>
+          </a:xfrm>
+          <a:prstGeom prst="straightConnector1">
+            <a:avLst/>
+          </a:prstGeom>
+          <a:ln w="38100">
+            <a:headEnd type="triangle"/>
+            <a:tailEnd type="triangle"/>
+          </a:ln>
+        </p:spPr>
+        <p:style>
+          <a:lnRef idx="1">
+            <a:schemeClr val="accent1"/>
+          </a:lnRef>
+          <a:fillRef idx="0">
+            <a:schemeClr val="accent1"/>
+          </a:fillRef>
+          <a:effectRef idx="0">
+            <a:schemeClr val="accent1"/>
+          </a:effectRef>
+          <a:fontRef idx="minor">
+            <a:schemeClr val="tx1"/>
+          </a:fontRef>
+        </p:style>
+      </p:cxnSp>
+      <p:cxnSp>
+        <p:nvCxnSpPr>
+          <p:cNvPr id="74" name="Straight Arrow Connector 73">
+            <a:extLst>
+              <a:ext uri="{FF2B5EF4-FFF2-40B4-BE49-F238E27FC236}">
+                <a16:creationId xmlns:a16="http://schemas.microsoft.com/office/drawing/2014/main" id="{EE76441D-5C4F-5146-BDA1-DDCD7093FCA1}"/>
+              </a:ext>
+            </a:extLst>
+          </p:cNvPr>
+          <p:cNvCxnSpPr>
+            <a:cxnSpLocks/>
+          </p:cNvCxnSpPr>
+          <p:nvPr/>
+        </p:nvCxnSpPr>
+        <p:spPr>
+          <a:xfrm flipH="1" flipV="1">
+            <a:off x="5615933" y="807519"/>
+            <a:ext cx="675940" cy="5281"/>
+          </a:xfrm>
+          <a:prstGeom prst="straightConnector1">
+            <a:avLst/>
+          </a:prstGeom>
+          <a:ln w="38100">
+            <a:headEnd type="triangle"/>
+            <a:tailEnd type="triangle"/>
+          </a:ln>
+        </p:spPr>
+        <p:style>
+          <a:lnRef idx="1">
+            <a:schemeClr val="accent1"/>
+          </a:lnRef>
+          <a:fillRef idx="0">
+            <a:schemeClr val="accent1"/>
+          </a:fillRef>
+          <a:effectRef idx="0">
+            <a:schemeClr val="accent1"/>
+          </a:effectRef>
+          <a:fontRef idx="minor">
+            <a:schemeClr val="tx1"/>
+          </a:fontRef>
+        </p:style>
+      </p:cxnSp>
+    </p:spTree>
+    <p:extLst>
+      <p:ext uri="{BB962C8B-B14F-4D97-AF65-F5344CB8AC3E}">
+        <p14:creationId xmlns:p14="http://schemas.microsoft.com/office/powerpoint/2010/main" val="2868188415"/>
       </p:ext>
     </p:extLst>
   </p:cSld>
